--- a/AzureArchitecture.pptx
+++ b/AzureArchitecture.pptx
@@ -5,19 +5,21 @@
     <p:sldMasterId id="2147483658" r:id="rId4"/>
   </p:sldMasterIdLst>
   <p:notesMasterIdLst>
-    <p:notesMasterId r:id="rId15"/>
+    <p:notesMasterId r:id="rId17"/>
   </p:notesMasterIdLst>
   <p:sldIdLst>
     <p:sldId id="256" r:id="rId5"/>
     <p:sldId id="3876" r:id="rId6"/>
     <p:sldId id="461" r:id="rId7"/>
-    <p:sldId id="465" r:id="rId8"/>
-    <p:sldId id="272" r:id="rId9"/>
-    <p:sldId id="451" r:id="rId10"/>
-    <p:sldId id="452" r:id="rId11"/>
-    <p:sldId id="3877" r:id="rId12"/>
-    <p:sldId id="453" r:id="rId13"/>
-    <p:sldId id="295" r:id="rId14"/>
+    <p:sldId id="3879" r:id="rId8"/>
+    <p:sldId id="3878" r:id="rId9"/>
+    <p:sldId id="465" r:id="rId10"/>
+    <p:sldId id="272" r:id="rId11"/>
+    <p:sldId id="451" r:id="rId12"/>
+    <p:sldId id="452" r:id="rId13"/>
+    <p:sldId id="3877" r:id="rId14"/>
+    <p:sldId id="453" r:id="rId15"/>
+    <p:sldId id="295" r:id="rId16"/>
   </p:sldIdLst>
   <p:sldSz cx="12192000" cy="6858000"/>
   <p:notesSz cx="6858000" cy="9144000"/>
@@ -124,6 +126,12 @@
             <p14:sldId id="256"/>
             <p14:sldId id="3876"/>
             <p14:sldId id="461"/>
+          </p14:sldIdLst>
+        </p14:section>
+        <p14:section name="Serverless" id="{AA776922-FAA0-4A04-9B47-674A5CC2AE7A}">
+          <p14:sldIdLst>
+            <p14:sldId id="3879"/>
+            <p14:sldId id="3878"/>
           </p14:sldIdLst>
         </p14:section>
         <p14:section name="Scaling" id="{6F1A7871-22B7-4047-ADAF-873A665E92A9}">
@@ -2858,6 +2866,207 @@
 </file>
 
 <file path=ppt/slides/slide10.xml><?xml version="1.0" encoding="utf-8"?>
+<p:sld xmlns:a="http://schemas.openxmlformats.org/drawingml/2006/main" xmlns:r="http://schemas.openxmlformats.org/officeDocument/2006/relationships" xmlns:p="http://schemas.openxmlformats.org/presentationml/2006/main" show="0">
+  <p:cSld>
+    <p:spTree>
+      <p:nvGrpSpPr>
+        <p:cNvPr id="1" name=""/>
+        <p:cNvGrpSpPr/>
+        <p:nvPr/>
+      </p:nvGrpSpPr>
+      <p:grpSpPr>
+        <a:xfrm>
+          <a:off x="0" y="0"/>
+          <a:ext cx="0" cy="0"/>
+          <a:chOff x="0" y="0"/>
+          <a:chExt cx="0" cy="0"/>
+        </a:xfrm>
+      </p:grpSpPr>
+      <p:sp>
+        <p:nvSpPr>
+          <p:cNvPr id="2" name="Title 1">
+            <a:extLst>
+              <a:ext uri="{FF2B5EF4-FFF2-40B4-BE49-F238E27FC236}">
+                <a16:creationId xmlns:a16="http://schemas.microsoft.com/office/drawing/2014/main" id="{393F731A-F56D-452B-ADAF-EB877B7674F0}"/>
+              </a:ext>
+            </a:extLst>
+          </p:cNvPr>
+          <p:cNvSpPr>
+            <a:spLocks noGrp="1"/>
+          </p:cNvSpPr>
+          <p:nvPr>
+            <p:ph type="title"/>
+          </p:nvPr>
+        </p:nvSpPr>
+        <p:spPr/>
+        <p:txBody>
+          <a:bodyPr/>
+          <a:lstStyle/>
+          <a:p>
+            <a:r>
+              <a:rPr lang="en-US" dirty="0"/>
+              <a:t>Scalers for KEDA</a:t>
+            </a:r>
+          </a:p>
+        </p:txBody>
+      </p:sp>
+      <p:pic>
+        <p:nvPicPr>
+          <p:cNvPr id="4" name="Picture 3">
+            <a:extLst>
+              <a:ext uri="{FF2B5EF4-FFF2-40B4-BE49-F238E27FC236}">
+                <a16:creationId xmlns:a16="http://schemas.microsoft.com/office/drawing/2014/main" id="{2A6586B4-4DE5-4B8F-A895-813855E2FD9A}"/>
+              </a:ext>
+            </a:extLst>
+          </p:cNvPr>
+          <p:cNvPicPr>
+            <a:picLocks noChangeAspect="1"/>
+          </p:cNvPicPr>
+          <p:nvPr/>
+        </p:nvPicPr>
+        <p:blipFill>
+          <a:blip r:embed="rId2"/>
+          <a:stretch>
+            <a:fillRect/>
+          </a:stretch>
+        </p:blipFill>
+        <p:spPr>
+          <a:xfrm>
+            <a:off x="2198032" y="2583106"/>
+            <a:ext cx="7795936" cy="1691787"/>
+          </a:xfrm>
+          <a:prstGeom prst="rect">
+            <a:avLst/>
+          </a:prstGeom>
+        </p:spPr>
+      </p:pic>
+      <p:sp>
+        <p:nvSpPr>
+          <p:cNvPr id="3" name="Text Placeholder 2">
+            <a:extLst>
+              <a:ext uri="{FF2B5EF4-FFF2-40B4-BE49-F238E27FC236}">
+                <a16:creationId xmlns:a16="http://schemas.microsoft.com/office/drawing/2014/main" id="{4812434A-EDCF-4B77-9E1A-14172B3E9DF5}"/>
+              </a:ext>
+            </a:extLst>
+          </p:cNvPr>
+          <p:cNvSpPr>
+            <a:spLocks noGrp="1"/>
+          </p:cNvSpPr>
+          <p:nvPr>
+            <p:ph type="body" sz="quarter" idx="13"/>
+          </p:nvPr>
+        </p:nvSpPr>
+        <p:spPr/>
+        <p:txBody>
+          <a:bodyPr/>
+          <a:lstStyle/>
+          <a:p>
+            <a:endParaRPr lang="en-US"/>
+          </a:p>
+        </p:txBody>
+      </p:sp>
+    </p:spTree>
+    <p:extLst>
+      <p:ext uri="{BB962C8B-B14F-4D97-AF65-F5344CB8AC3E}">
+        <p14:creationId xmlns:p14="http://schemas.microsoft.com/office/powerpoint/2010/main" val="836292716"/>
+      </p:ext>
+    </p:extLst>
+  </p:cSld>
+  <p:clrMapOvr>
+    <a:masterClrMapping/>
+  </p:clrMapOvr>
+</p:sld>
+</file>
+
+<file path=ppt/slides/slide11.xml><?xml version="1.0" encoding="utf-8"?>
+<p:sld xmlns:a="http://schemas.openxmlformats.org/drawingml/2006/main" xmlns:r="http://schemas.openxmlformats.org/officeDocument/2006/relationships" xmlns:p="http://schemas.openxmlformats.org/presentationml/2006/main" show="0">
+  <p:cSld>
+    <p:spTree>
+      <p:nvGrpSpPr>
+        <p:cNvPr id="1" name=""/>
+        <p:cNvGrpSpPr/>
+        <p:nvPr/>
+      </p:nvGrpSpPr>
+      <p:grpSpPr>
+        <a:xfrm>
+          <a:off x="0" y="0"/>
+          <a:ext cx="0" cy="0"/>
+          <a:chOff x="0" y="0"/>
+          <a:chExt cx="0" cy="0"/>
+        </a:xfrm>
+      </p:grpSpPr>
+      <p:sp>
+        <p:nvSpPr>
+          <p:cNvPr id="2" name="Title 1">
+            <a:extLst>
+              <a:ext uri="{FF2B5EF4-FFF2-40B4-BE49-F238E27FC236}">
+                <a16:creationId xmlns:a16="http://schemas.microsoft.com/office/drawing/2014/main" id="{68F2637B-A14E-40C4-8210-799264260A7B}"/>
+              </a:ext>
+            </a:extLst>
+          </p:cNvPr>
+          <p:cNvSpPr>
+            <a:spLocks noGrp="1"/>
+          </p:cNvSpPr>
+          <p:nvPr>
+            <p:ph type="title"/>
+          </p:nvPr>
+        </p:nvSpPr>
+        <p:spPr/>
+        <p:txBody>
+          <a:bodyPr/>
+          <a:lstStyle/>
+          <a:p>
+            <a:r>
+              <a:rPr lang="en-US" dirty="0"/>
+              <a:t>Kubernetes Network Plugins: Azure CNI vs </a:t>
+            </a:r>
+            <a:r>
+              <a:rPr lang="en-US" dirty="0" err="1"/>
+              <a:t>Kubenet</a:t>
+            </a:r>
+            <a:endParaRPr lang="en-US" dirty="0"/>
+          </a:p>
+        </p:txBody>
+      </p:sp>
+      <p:sp>
+        <p:nvSpPr>
+          <p:cNvPr id="3" name="Text Placeholder 2">
+            <a:extLst>
+              <a:ext uri="{FF2B5EF4-FFF2-40B4-BE49-F238E27FC236}">
+                <a16:creationId xmlns:a16="http://schemas.microsoft.com/office/drawing/2014/main" id="{3B8D0CF4-E2BB-4A63-A37D-15CCE4603D15}"/>
+              </a:ext>
+            </a:extLst>
+          </p:cNvPr>
+          <p:cNvSpPr>
+            <a:spLocks noGrp="1"/>
+          </p:cNvSpPr>
+          <p:nvPr>
+            <p:ph type="body" sz="quarter" idx="13"/>
+          </p:nvPr>
+        </p:nvSpPr>
+        <p:spPr/>
+        <p:txBody>
+          <a:bodyPr/>
+          <a:lstStyle/>
+          <a:p>
+            <a:endParaRPr lang="en-US"/>
+          </a:p>
+        </p:txBody>
+      </p:sp>
+    </p:spTree>
+    <p:extLst>
+      <p:ext uri="{BB962C8B-B14F-4D97-AF65-F5344CB8AC3E}">
+        <p14:creationId xmlns:p14="http://schemas.microsoft.com/office/powerpoint/2010/main" val="3551433243"/>
+      </p:ext>
+    </p:extLst>
+  </p:cSld>
+  <p:clrMapOvr>
+    <a:masterClrMapping/>
+  </p:clrMapOvr>
+</p:sld>
+</file>
+
+<file path=ppt/slides/slide12.xml><?xml version="1.0" encoding="utf-8"?>
 <p:sld xmlns:a="http://schemas.openxmlformats.org/drawingml/2006/main" xmlns:r="http://schemas.openxmlformats.org/officeDocument/2006/relationships" xmlns:p="http://schemas.openxmlformats.org/presentationml/2006/main">
   <p:cSld>
     <p:spTree>
@@ -3371,6 +3580,292 @@
 </file>
 
 <file path=ppt/slides/slide4.xml><?xml version="1.0" encoding="utf-8"?>
+<p:sld xmlns:a="http://schemas.openxmlformats.org/drawingml/2006/main" xmlns:r="http://schemas.openxmlformats.org/officeDocument/2006/relationships" xmlns:p="http://schemas.openxmlformats.org/presentationml/2006/main">
+  <p:cSld>
+    <p:spTree>
+      <p:nvGrpSpPr>
+        <p:cNvPr id="1" name=""/>
+        <p:cNvGrpSpPr/>
+        <p:nvPr/>
+      </p:nvGrpSpPr>
+      <p:grpSpPr>
+        <a:xfrm>
+          <a:off x="0" y="0"/>
+          <a:ext cx="0" cy="0"/>
+          <a:chOff x="0" y="0"/>
+          <a:chExt cx="0" cy="0"/>
+        </a:xfrm>
+      </p:grpSpPr>
+      <p:sp>
+        <p:nvSpPr>
+          <p:cNvPr id="2" name="Title 1">
+            <a:extLst>
+              <a:ext uri="{FF2B5EF4-FFF2-40B4-BE49-F238E27FC236}">
+                <a16:creationId xmlns:a16="http://schemas.microsoft.com/office/drawing/2014/main" id="{7A38F066-6613-4BB6-824A-D34A869D865F}"/>
+              </a:ext>
+            </a:extLst>
+          </p:cNvPr>
+          <p:cNvSpPr>
+            <a:spLocks noGrp="1"/>
+          </p:cNvSpPr>
+          <p:nvPr>
+            <p:ph type="title"/>
+          </p:nvPr>
+        </p:nvSpPr>
+        <p:spPr/>
+        <p:txBody>
+          <a:bodyPr/>
+          <a:lstStyle/>
+          <a:p>
+            <a:r>
+              <a:rPr lang="en-US" dirty="0"/>
+              <a:t>Azure Functions SDK + Kubernetes + </a:t>
+            </a:r>
+            <a:r>
+              <a:rPr lang="en-US" dirty="0" err="1"/>
+              <a:t>Keda</a:t>
+            </a:r>
+            <a:endParaRPr lang="en-US" dirty="0"/>
+          </a:p>
+        </p:txBody>
+      </p:sp>
+      <p:sp>
+        <p:nvSpPr>
+          <p:cNvPr id="3" name="Text Placeholder 2">
+            <a:extLst>
+              <a:ext uri="{FF2B5EF4-FFF2-40B4-BE49-F238E27FC236}">
+                <a16:creationId xmlns:a16="http://schemas.microsoft.com/office/drawing/2014/main" id="{95C1A1A5-219F-4E61-88E2-704A8B0B58A3}"/>
+              </a:ext>
+            </a:extLst>
+          </p:cNvPr>
+          <p:cNvSpPr>
+            <a:spLocks noGrp="1"/>
+          </p:cNvSpPr>
+          <p:nvPr>
+            <p:ph type="body" sz="quarter" idx="13"/>
+          </p:nvPr>
+        </p:nvSpPr>
+        <p:spPr/>
+        <p:txBody>
+          <a:bodyPr/>
+          <a:lstStyle/>
+          <a:p>
+            <a:r>
+              <a:rPr lang="en-US" dirty="0"/>
+              <a:t>Host Functions App on AKS instead of Azure Functions</a:t>
+            </a:r>
+          </a:p>
+          <a:p>
+            <a:pPr lvl="1"/>
+            <a:r>
+              <a:rPr lang="en-US" dirty="0"/>
+              <a:t>Azure Functions Consumption plan - don’t give SLA on delay between event and execution.</a:t>
+            </a:r>
+          </a:p>
+          <a:p>
+            <a:pPr lvl="1"/>
+            <a:r>
+              <a:rPr lang="en-US" dirty="0"/>
+              <a:t>Azure Function App Service plan – require to allocate resources in advance and “elastic scaling” lost</a:t>
+            </a:r>
+          </a:p>
+          <a:p>
+            <a:pPr lvl="1"/>
+            <a:r>
+              <a:rPr lang="en-US" dirty="0"/>
+              <a:t>Azure Functions – cold start problem</a:t>
+            </a:r>
+          </a:p>
+          <a:p>
+            <a:pPr lvl="1"/>
+            <a:r>
+              <a:rPr lang="en-US" dirty="0"/>
+              <a:t>Azure Function Premium plan – solves cold start problem, but cost will be higher</a:t>
+            </a:r>
+          </a:p>
+          <a:p>
+            <a:pPr lvl="1"/>
+            <a:r>
+              <a:rPr lang="en-US" dirty="0"/>
+              <a:t>Functions SDK can be used but packaged as docker image and hosted on AKS. Scaled using KEDA</a:t>
+            </a:r>
+          </a:p>
+          <a:p>
+            <a:endParaRPr lang="en-US" dirty="0"/>
+          </a:p>
+        </p:txBody>
+      </p:sp>
+    </p:spTree>
+    <p:extLst>
+      <p:ext uri="{BB962C8B-B14F-4D97-AF65-F5344CB8AC3E}">
+        <p14:creationId xmlns:p14="http://schemas.microsoft.com/office/powerpoint/2010/main" val="1604439266"/>
+      </p:ext>
+    </p:extLst>
+  </p:cSld>
+  <p:clrMapOvr>
+    <a:masterClrMapping/>
+  </p:clrMapOvr>
+</p:sld>
+</file>
+
+<file path=ppt/slides/slide5.xml><?xml version="1.0" encoding="utf-8"?>
+<p:sld xmlns:a="http://schemas.openxmlformats.org/drawingml/2006/main" xmlns:r="http://schemas.openxmlformats.org/officeDocument/2006/relationships" xmlns:p="http://schemas.openxmlformats.org/presentationml/2006/main">
+  <p:cSld>
+    <p:spTree>
+      <p:nvGrpSpPr>
+        <p:cNvPr id="1" name=""/>
+        <p:cNvGrpSpPr/>
+        <p:nvPr/>
+      </p:nvGrpSpPr>
+      <p:grpSpPr>
+        <a:xfrm>
+          <a:off x="0" y="0"/>
+          <a:ext cx="0" cy="0"/>
+          <a:chOff x="0" y="0"/>
+          <a:chExt cx="0" cy="0"/>
+        </a:xfrm>
+      </p:grpSpPr>
+      <p:sp>
+        <p:nvSpPr>
+          <p:cNvPr id="2" name="Title 1">
+            <a:extLst>
+              <a:ext uri="{FF2B5EF4-FFF2-40B4-BE49-F238E27FC236}">
+                <a16:creationId xmlns:a16="http://schemas.microsoft.com/office/drawing/2014/main" id="{7BC30DAE-CEC5-4773-B1D5-6D545895452B}"/>
+              </a:ext>
+            </a:extLst>
+          </p:cNvPr>
+          <p:cNvSpPr>
+            <a:spLocks noGrp="1"/>
+          </p:cNvSpPr>
+          <p:nvPr>
+            <p:ph type="title"/>
+          </p:nvPr>
+        </p:nvSpPr>
+        <p:spPr/>
+        <p:txBody>
+          <a:bodyPr/>
+          <a:lstStyle/>
+          <a:p>
+            <a:r>
+              <a:rPr lang="en-US" dirty="0"/>
+              <a:t>Why not OPENFAAS</a:t>
+            </a:r>
+          </a:p>
+        </p:txBody>
+      </p:sp>
+      <p:sp>
+        <p:nvSpPr>
+          <p:cNvPr id="3" name="Text Placeholder 2">
+            <a:extLst>
+              <a:ext uri="{FF2B5EF4-FFF2-40B4-BE49-F238E27FC236}">
+                <a16:creationId xmlns:a16="http://schemas.microsoft.com/office/drawing/2014/main" id="{EB759809-635A-46F3-91F0-758BB26AAF4E}"/>
+              </a:ext>
+            </a:extLst>
+          </p:cNvPr>
+          <p:cNvSpPr>
+            <a:spLocks noGrp="1"/>
+          </p:cNvSpPr>
+          <p:nvPr>
+            <p:ph type="body" sz="quarter" idx="13"/>
+          </p:nvPr>
+        </p:nvSpPr>
+        <p:spPr/>
+        <p:txBody>
+          <a:bodyPr/>
+          <a:lstStyle/>
+          <a:p>
+            <a:r>
+              <a:rPr lang="en-US" dirty="0"/>
+              <a:t>It’s really easy to deploy in a first time, but to be effective- still require learning.</a:t>
+            </a:r>
+          </a:p>
+          <a:p>
+            <a:r>
+              <a:rPr lang="en-US" dirty="0"/>
+              <a:t>Mandatory requirements to Functions Structure (port 8080, endpoint for heath) </a:t>
+            </a:r>
+            <a:r>
+              <a:rPr lang="en-US" dirty="0">
+                <a:hlinkClick r:id="rId2"/>
+              </a:rPr>
+              <a:t>https://docs.openfaas.com/reference/workloads/#common-properties</a:t>
+            </a:r>
+            <a:r>
+              <a:rPr lang="en-US" dirty="0"/>
+              <a:t> </a:t>
+            </a:r>
+          </a:p>
+          <a:p>
+            <a:r>
+              <a:rPr lang="en-US" dirty="0"/>
+              <a:t>Full ignore of Azure (AWS/GCP- at least mentioned)</a:t>
+            </a:r>
+          </a:p>
+          <a:p>
+            <a:pPr lvl="1"/>
+            <a:r>
+              <a:rPr lang="en-US" dirty="0"/>
+              <a:t>No support for Azure Messaging services (event hub, event grid, service bus) and limited number of Triggers </a:t>
+            </a:r>
+            <a:r>
+              <a:rPr lang="en-US" dirty="0">
+                <a:hlinkClick r:id="rId3"/>
+              </a:rPr>
+              <a:t>https://docs.openfaas.com/reference/triggers/</a:t>
+            </a:r>
+            <a:r>
+              <a:rPr lang="en-US" dirty="0"/>
+              <a:t> </a:t>
+            </a:r>
+          </a:p>
+          <a:p>
+            <a:r>
+              <a:rPr lang="en-US" dirty="0"/>
+              <a:t>No SDKs/Strong type bindings. Everything as “string”</a:t>
+            </a:r>
+          </a:p>
+          <a:p>
+            <a:r>
+              <a:rPr lang="en-US" dirty="0"/>
+              <a:t>No Support of Azure DevOps</a:t>
+            </a:r>
+          </a:p>
+          <a:p>
+            <a:pPr lvl="1"/>
+            <a:r>
+              <a:rPr lang="en-US" dirty="0"/>
+              <a:t>Scripts/CLI based CI/CD </a:t>
+            </a:r>
+            <a:r>
+              <a:rPr lang="en-US" dirty="0">
+                <a:hlinkClick r:id="rId4"/>
+              </a:rPr>
+              <a:t>https://docs.openfaas.com/reference/cicd/intro/#github</a:t>
+            </a:r>
+            <a:r>
+              <a:rPr lang="en-US" dirty="0"/>
+              <a:t> </a:t>
+            </a:r>
+          </a:p>
+          <a:p>
+            <a:endParaRPr lang="en-US" dirty="0"/>
+          </a:p>
+        </p:txBody>
+      </p:sp>
+    </p:spTree>
+    <p:extLst>
+      <p:ext uri="{BB962C8B-B14F-4D97-AF65-F5344CB8AC3E}">
+        <p14:creationId xmlns:p14="http://schemas.microsoft.com/office/powerpoint/2010/main" val="3993427575"/>
+      </p:ext>
+    </p:extLst>
+  </p:cSld>
+  <p:clrMapOvr>
+    <a:masterClrMapping/>
+  </p:clrMapOvr>
+</p:sld>
+</file>
+
+<file path=ppt/slides/slide6.xml><?xml version="1.0" encoding="utf-8"?>
 <p:sld xmlns:a="http://schemas.openxmlformats.org/drawingml/2006/main" xmlns:r="http://schemas.openxmlformats.org/officeDocument/2006/relationships" xmlns:p="http://schemas.openxmlformats.org/presentationml/2006/main" show="0">
   <p:cSld>
     <p:spTree>
@@ -3428,7 +3923,7 @@
 </p:sld>
 </file>
 
-<file path=ppt/slides/slide5.xml><?xml version="1.0" encoding="utf-8"?>
+<file path=ppt/slides/slide7.xml><?xml version="1.0" encoding="utf-8"?>
 <p:sld xmlns:a="http://schemas.openxmlformats.org/drawingml/2006/main" xmlns:r="http://schemas.openxmlformats.org/officeDocument/2006/relationships" xmlns:p="http://schemas.openxmlformats.org/presentationml/2006/main" show="0">
   <p:cSld>
     <p:spTree>
@@ -3556,7 +4051,7 @@
 </p:sld>
 </file>
 
-<file path=ppt/slides/slide6.xml><?xml version="1.0" encoding="utf-8"?>
+<file path=ppt/slides/slide8.xml><?xml version="1.0" encoding="utf-8"?>
 <p:sld xmlns:a="http://schemas.openxmlformats.org/drawingml/2006/main" xmlns:r="http://schemas.openxmlformats.org/officeDocument/2006/relationships" xmlns:p="http://schemas.openxmlformats.org/presentationml/2006/main" show="0">
   <p:cSld>
     <p:spTree>
@@ -3653,7 +4148,7 @@
 </p:sld>
 </file>
 
-<file path=ppt/slides/slide7.xml><?xml version="1.0" encoding="utf-8"?>
+<file path=ppt/slides/slide9.xml><?xml version="1.0" encoding="utf-8"?>
 <p:sld xmlns:a="http://schemas.openxmlformats.org/drawingml/2006/main" xmlns:r="http://schemas.openxmlformats.org/officeDocument/2006/relationships" xmlns:p="http://schemas.openxmlformats.org/presentationml/2006/main" show="0">
   <p:cSld>
     <p:spTree>
@@ -3806,207 +4301,6 @@
     <p:extLst>
       <p:ext uri="{BB962C8B-B14F-4D97-AF65-F5344CB8AC3E}">
         <p14:creationId xmlns:p14="http://schemas.microsoft.com/office/powerpoint/2010/main" val="4221156484"/>
-      </p:ext>
-    </p:extLst>
-  </p:cSld>
-  <p:clrMapOvr>
-    <a:masterClrMapping/>
-  </p:clrMapOvr>
-</p:sld>
-</file>
-
-<file path=ppt/slides/slide8.xml><?xml version="1.0" encoding="utf-8"?>
-<p:sld xmlns:a="http://schemas.openxmlformats.org/drawingml/2006/main" xmlns:r="http://schemas.openxmlformats.org/officeDocument/2006/relationships" xmlns:p="http://schemas.openxmlformats.org/presentationml/2006/main" show="0">
-  <p:cSld>
-    <p:spTree>
-      <p:nvGrpSpPr>
-        <p:cNvPr id="1" name=""/>
-        <p:cNvGrpSpPr/>
-        <p:nvPr/>
-      </p:nvGrpSpPr>
-      <p:grpSpPr>
-        <a:xfrm>
-          <a:off x="0" y="0"/>
-          <a:ext cx="0" cy="0"/>
-          <a:chOff x="0" y="0"/>
-          <a:chExt cx="0" cy="0"/>
-        </a:xfrm>
-      </p:grpSpPr>
-      <p:sp>
-        <p:nvSpPr>
-          <p:cNvPr id="2" name="Title 1">
-            <a:extLst>
-              <a:ext uri="{FF2B5EF4-FFF2-40B4-BE49-F238E27FC236}">
-                <a16:creationId xmlns:a16="http://schemas.microsoft.com/office/drawing/2014/main" id="{393F731A-F56D-452B-ADAF-EB877B7674F0}"/>
-              </a:ext>
-            </a:extLst>
-          </p:cNvPr>
-          <p:cNvSpPr>
-            <a:spLocks noGrp="1"/>
-          </p:cNvSpPr>
-          <p:nvPr>
-            <p:ph type="title"/>
-          </p:nvPr>
-        </p:nvSpPr>
-        <p:spPr/>
-        <p:txBody>
-          <a:bodyPr/>
-          <a:lstStyle/>
-          <a:p>
-            <a:r>
-              <a:rPr lang="en-US" dirty="0"/>
-              <a:t>Scalers for KEDA</a:t>
-            </a:r>
-          </a:p>
-        </p:txBody>
-      </p:sp>
-      <p:pic>
-        <p:nvPicPr>
-          <p:cNvPr id="4" name="Picture 3">
-            <a:extLst>
-              <a:ext uri="{FF2B5EF4-FFF2-40B4-BE49-F238E27FC236}">
-                <a16:creationId xmlns:a16="http://schemas.microsoft.com/office/drawing/2014/main" id="{2A6586B4-4DE5-4B8F-A895-813855E2FD9A}"/>
-              </a:ext>
-            </a:extLst>
-          </p:cNvPr>
-          <p:cNvPicPr>
-            <a:picLocks noChangeAspect="1"/>
-          </p:cNvPicPr>
-          <p:nvPr/>
-        </p:nvPicPr>
-        <p:blipFill>
-          <a:blip r:embed="rId2"/>
-          <a:stretch>
-            <a:fillRect/>
-          </a:stretch>
-        </p:blipFill>
-        <p:spPr>
-          <a:xfrm>
-            <a:off x="2198032" y="2583106"/>
-            <a:ext cx="7795936" cy="1691787"/>
-          </a:xfrm>
-          <a:prstGeom prst="rect">
-            <a:avLst/>
-          </a:prstGeom>
-        </p:spPr>
-      </p:pic>
-      <p:sp>
-        <p:nvSpPr>
-          <p:cNvPr id="3" name="Text Placeholder 2">
-            <a:extLst>
-              <a:ext uri="{FF2B5EF4-FFF2-40B4-BE49-F238E27FC236}">
-                <a16:creationId xmlns:a16="http://schemas.microsoft.com/office/drawing/2014/main" id="{4812434A-EDCF-4B77-9E1A-14172B3E9DF5}"/>
-              </a:ext>
-            </a:extLst>
-          </p:cNvPr>
-          <p:cNvSpPr>
-            <a:spLocks noGrp="1"/>
-          </p:cNvSpPr>
-          <p:nvPr>
-            <p:ph type="body" sz="quarter" idx="13"/>
-          </p:nvPr>
-        </p:nvSpPr>
-        <p:spPr/>
-        <p:txBody>
-          <a:bodyPr/>
-          <a:lstStyle/>
-          <a:p>
-            <a:endParaRPr lang="en-US"/>
-          </a:p>
-        </p:txBody>
-      </p:sp>
-    </p:spTree>
-    <p:extLst>
-      <p:ext uri="{BB962C8B-B14F-4D97-AF65-F5344CB8AC3E}">
-        <p14:creationId xmlns:p14="http://schemas.microsoft.com/office/powerpoint/2010/main" val="836292716"/>
-      </p:ext>
-    </p:extLst>
-  </p:cSld>
-  <p:clrMapOvr>
-    <a:masterClrMapping/>
-  </p:clrMapOvr>
-</p:sld>
-</file>
-
-<file path=ppt/slides/slide9.xml><?xml version="1.0" encoding="utf-8"?>
-<p:sld xmlns:a="http://schemas.openxmlformats.org/drawingml/2006/main" xmlns:r="http://schemas.openxmlformats.org/officeDocument/2006/relationships" xmlns:p="http://schemas.openxmlformats.org/presentationml/2006/main" show="0">
-  <p:cSld>
-    <p:spTree>
-      <p:nvGrpSpPr>
-        <p:cNvPr id="1" name=""/>
-        <p:cNvGrpSpPr/>
-        <p:nvPr/>
-      </p:nvGrpSpPr>
-      <p:grpSpPr>
-        <a:xfrm>
-          <a:off x="0" y="0"/>
-          <a:ext cx="0" cy="0"/>
-          <a:chOff x="0" y="0"/>
-          <a:chExt cx="0" cy="0"/>
-        </a:xfrm>
-      </p:grpSpPr>
-      <p:sp>
-        <p:nvSpPr>
-          <p:cNvPr id="2" name="Title 1">
-            <a:extLst>
-              <a:ext uri="{FF2B5EF4-FFF2-40B4-BE49-F238E27FC236}">
-                <a16:creationId xmlns:a16="http://schemas.microsoft.com/office/drawing/2014/main" id="{68F2637B-A14E-40C4-8210-799264260A7B}"/>
-              </a:ext>
-            </a:extLst>
-          </p:cNvPr>
-          <p:cNvSpPr>
-            <a:spLocks noGrp="1"/>
-          </p:cNvSpPr>
-          <p:nvPr>
-            <p:ph type="title"/>
-          </p:nvPr>
-        </p:nvSpPr>
-        <p:spPr/>
-        <p:txBody>
-          <a:bodyPr/>
-          <a:lstStyle/>
-          <a:p>
-            <a:r>
-              <a:rPr lang="en-US" dirty="0"/>
-              <a:t>Kubernetes Network Plugins: Azure CNI vs </a:t>
-            </a:r>
-            <a:r>
-              <a:rPr lang="en-US" dirty="0" err="1"/>
-              <a:t>Kubenet</a:t>
-            </a:r>
-            <a:endParaRPr lang="en-US" dirty="0"/>
-          </a:p>
-        </p:txBody>
-      </p:sp>
-      <p:sp>
-        <p:nvSpPr>
-          <p:cNvPr id="3" name="Text Placeholder 2">
-            <a:extLst>
-              <a:ext uri="{FF2B5EF4-FFF2-40B4-BE49-F238E27FC236}">
-                <a16:creationId xmlns:a16="http://schemas.microsoft.com/office/drawing/2014/main" id="{3B8D0CF4-E2BB-4A63-A37D-15CCE4603D15}"/>
-              </a:ext>
-            </a:extLst>
-          </p:cNvPr>
-          <p:cNvSpPr>
-            <a:spLocks noGrp="1"/>
-          </p:cNvSpPr>
-          <p:nvPr>
-            <p:ph type="body" sz="quarter" idx="13"/>
-          </p:nvPr>
-        </p:nvSpPr>
-        <p:spPr/>
-        <p:txBody>
-          <a:bodyPr/>
-          <a:lstStyle/>
-          <a:p>
-            <a:endParaRPr lang="en-US"/>
-          </a:p>
-        </p:txBody>
-      </p:sp>
-    </p:spTree>
-    <p:extLst>
-      <p:ext uri="{BB962C8B-B14F-4D97-AF65-F5344CB8AC3E}">
-        <p14:creationId xmlns:p14="http://schemas.microsoft.com/office/powerpoint/2010/main" val="3551433243"/>
       </p:ext>
     </p:extLst>
   </p:cSld>
@@ -4573,21 +4867,6 @@
 </file>
 
 <file path=customXml/item1.xml><?xml version="1.0" encoding="utf-8"?>
-<p:properties xmlns:p="http://schemas.microsoft.com/office/2006/metadata/properties" xmlns:xsi="http://www.w3.org/2001/XMLSchema-instance" xmlns:pc="http://schemas.microsoft.com/office/infopath/2007/PartnerControls">
-  <documentManagement/>
-</p:properties>
-</file>
-
-<file path=customXml/item2.xml><?xml version="1.0" encoding="utf-8"?>
-<?mso-contentType ?>
-<FormTemplates xmlns="http://schemas.microsoft.com/sharepoint/v3/contenttype/forms">
-  <Display>DocumentLibraryForm</Display>
-  <Edit>DocumentLibraryForm</Edit>
-  <New>DocumentLibraryForm</New>
-</FormTemplates>
-</file>
-
-<file path=customXml/item3.xml><?xml version="1.0" encoding="utf-8"?>
 <ct:contentTypeSchema xmlns:ct="http://schemas.microsoft.com/office/2006/metadata/contentType" xmlns:ma="http://schemas.microsoft.com/office/2006/metadata/properties/metaAttributes" ct:_="" ma:_="" ma:contentTypeName="Document" ma:contentTypeID="0x010100D33CF0A556F3FD4585028508D097F84A" ma:contentTypeVersion="2" ma:contentTypeDescription="Create a new document." ma:contentTypeScope="" ma:versionID="695d1d3ef65a41a737452d51a647cfec">
   <xsd:schema xmlns:xsd="http://www.w3.org/2001/XMLSchema" xmlns:xs="http://www.w3.org/2001/XMLSchema" xmlns:p="http://schemas.microsoft.com/office/2006/metadata/properties" xmlns:ns2="621f199c-98aa-40ce-ab2c-42670d93c9fa" targetNamespace="http://schemas.microsoft.com/office/2006/metadata/properties" ma:root="true" ma:fieldsID="c747dccf555a28bc16c026d049f7b246" ns2:_="">
     <xsd:import namespace="621f199c-98aa-40ce-ab2c-42670d93c9fa"/>
@@ -4719,24 +4998,22 @@
 </ct:contentTypeSchema>
 </file>
 
-<file path=customXml/itemProps1.xml><?xml version="1.0" encoding="utf-8"?>
-<ds:datastoreItem xmlns:ds="http://schemas.openxmlformats.org/officeDocument/2006/customXml" ds:itemID="{EB6A9703-15E2-4E3F-A343-CEF74D08A4B6}">
-  <ds:schemaRefs>
-    <ds:schemaRef ds:uri="http://schemas.microsoft.com/office/2006/metadata/properties"/>
-    <ds:schemaRef ds:uri="http://schemas.microsoft.com/office/infopath/2007/PartnerControls"/>
-  </ds:schemaRefs>
-</ds:datastoreItem>
+<file path=customXml/item2.xml><?xml version="1.0" encoding="utf-8"?>
+<?mso-contentType ?>
+<FormTemplates xmlns="http://schemas.microsoft.com/sharepoint/v3/contenttype/forms">
+  <Display>DocumentLibraryForm</Display>
+  <Edit>DocumentLibraryForm</Edit>
+  <New>DocumentLibraryForm</New>
+</FormTemplates>
 </file>
 
-<file path=customXml/itemProps2.xml><?xml version="1.0" encoding="utf-8"?>
-<ds:datastoreItem xmlns:ds="http://schemas.openxmlformats.org/officeDocument/2006/customXml" ds:itemID="{CE9BDE77-A9EF-4010-9289-49E5355D3F86}">
-  <ds:schemaRefs>
-    <ds:schemaRef ds:uri="http://schemas.microsoft.com/sharepoint/v3/contenttype/forms"/>
-  </ds:schemaRefs>
-</ds:datastoreItem>
+<file path=customXml/item3.xml><?xml version="1.0" encoding="utf-8"?>
+<p:properties xmlns:p="http://schemas.microsoft.com/office/2006/metadata/properties" xmlns:xsi="http://www.w3.org/2001/XMLSchema-instance" xmlns:pc="http://schemas.microsoft.com/office/infopath/2007/PartnerControls">
+  <documentManagement/>
+</p:properties>
 </file>
 
-<file path=customXml/itemProps3.xml><?xml version="1.0" encoding="utf-8"?>
+<file path=customXml/itemProps1.xml><?xml version="1.0" encoding="utf-8"?>
 <ds:datastoreItem xmlns:ds="http://schemas.openxmlformats.org/officeDocument/2006/customXml" ds:itemID="{C5387826-CAED-450A-ACF0-D0E8781AFCD5}">
   <ds:schemaRefs>
     <ds:schemaRef ds:uri="http://schemas.microsoft.com/office/2006/metadata/contentType"/>
@@ -4752,4 +5029,21 @@
     <ds:schemaRef ds:uri="http://schemas.microsoft.com/internal/obd"/>
   </ds:schemaRefs>
 </ds:datastoreItem>
+</file>
+
+<file path=customXml/itemProps2.xml><?xml version="1.0" encoding="utf-8"?>
+<ds:datastoreItem xmlns:ds="http://schemas.openxmlformats.org/officeDocument/2006/customXml" ds:itemID="{CE9BDE77-A9EF-4010-9289-49E5355D3F86}">
+  <ds:schemaRefs>
+    <ds:schemaRef ds:uri="http://schemas.microsoft.com/sharepoint/v3/contenttype/forms"/>
+  </ds:schemaRefs>
+</ds:datastoreItem>
+</file>
+
+<file path=customXml/itemProps3.xml><?xml version="1.0" encoding="utf-8"?>
+<ds:datastoreItem xmlns:ds="http://schemas.openxmlformats.org/officeDocument/2006/customXml" ds:itemID="{EB6A9703-15E2-4E3F-A343-CEF74D08A4B6}">
+  <ds:schemaRefs>
+    <ds:schemaRef ds:uri="http://schemas.microsoft.com/office/2006/metadata/properties"/>
+    <ds:schemaRef ds:uri="http://schemas.microsoft.com/office/infopath/2007/PartnerControls"/>
+  </ds:schemaRefs>
+</ds:datastoreItem>
 </file>
--- a/AzureArchitecture.pptx
+++ b/AzureArchitecture.pptx
@@ -5,7 +5,7 @@
     <p:sldMasterId id="2147483658" r:id="rId4"/>
   </p:sldMasterIdLst>
   <p:notesMasterIdLst>
-    <p:notesMasterId r:id="rId17"/>
+    <p:notesMasterId r:id="rId20"/>
   </p:notesMasterIdLst>
   <p:sldIdLst>
     <p:sldId id="256" r:id="rId5"/>
@@ -16,10 +16,13 @@
     <p:sldId id="465" r:id="rId10"/>
     <p:sldId id="272" r:id="rId11"/>
     <p:sldId id="451" r:id="rId12"/>
-    <p:sldId id="452" r:id="rId13"/>
-    <p:sldId id="3877" r:id="rId14"/>
-    <p:sldId id="453" r:id="rId15"/>
-    <p:sldId id="295" r:id="rId16"/>
+    <p:sldId id="3880" r:id="rId13"/>
+    <p:sldId id="452" r:id="rId14"/>
+    <p:sldId id="3877" r:id="rId15"/>
+    <p:sldId id="3890" r:id="rId16"/>
+    <p:sldId id="3891" r:id="rId17"/>
+    <p:sldId id="453" r:id="rId18"/>
+    <p:sldId id="295" r:id="rId19"/>
   </p:sldIdLst>
   <p:sldSz cx="12192000" cy="6858000"/>
   <p:notesSz cx="6858000" cy="9144000"/>
@@ -139,8 +142,11 @@
             <p14:sldId id="465"/>
             <p14:sldId id="272"/>
             <p14:sldId id="451"/>
+            <p14:sldId id="3880"/>
             <p14:sldId id="452"/>
             <p14:sldId id="3877"/>
+            <p14:sldId id="3890"/>
+            <p14:sldId id="3891"/>
             <p14:sldId id="453"/>
           </p14:sldIdLst>
         </p14:section>
@@ -252,7 +258,7 @@
           <a:p>
             <a:fld id="{047EDFB0-A86C-4700-A437-57AFA737BCB6}" type="datetimeFigureOut">
               <a:rPr lang="en-US" smtClean="0"/>
-              <a:t>10/16/2020</a:t>
+              <a:t>1/3/2021</a:t>
             </a:fld>
             <a:endParaRPr lang="en-US"/>
           </a:p>
@@ -1788,7 +1794,7 @@
           <a:p>
             <a:fld id="{846CE7D5-CF57-46EF-B807-FDD0502418D4}" type="datetimeFigureOut">
               <a:rPr lang="en-US" smtClean="0"/>
-              <a:t>10/16/2020</a:t>
+              <a:t>1/3/2021</a:t>
             </a:fld>
             <a:endParaRPr lang="en-US"/>
           </a:p>
@@ -2887,6 +2893,168 @@
           <p:cNvPr id="2" name="Title 1">
             <a:extLst>
               <a:ext uri="{FF2B5EF4-FFF2-40B4-BE49-F238E27FC236}">
+                <a16:creationId xmlns:a16="http://schemas.microsoft.com/office/drawing/2014/main" id="{3687AEE4-5DD3-4A78-89A1-9BFC06476D91}"/>
+              </a:ext>
+            </a:extLst>
+          </p:cNvPr>
+          <p:cNvSpPr>
+            <a:spLocks noGrp="1"/>
+          </p:cNvSpPr>
+          <p:nvPr>
+            <p:ph type="title"/>
+          </p:nvPr>
+        </p:nvSpPr>
+        <p:spPr/>
+        <p:txBody>
+          <a:bodyPr/>
+          <a:lstStyle/>
+          <a:p>
+            <a:r>
+              <a:rPr lang="en-US" dirty="0" err="1"/>
+              <a:t>Keda</a:t>
+            </a:r>
+            <a:r>
+              <a:rPr lang="en-US" dirty="0"/>
+              <a:t> (Kubernetes Event driven Auto-scaling) </a:t>
+            </a:r>
+          </a:p>
+        </p:txBody>
+      </p:sp>
+      <p:sp>
+        <p:nvSpPr>
+          <p:cNvPr id="3" name="Text Placeholder 2">
+            <a:extLst>
+              <a:ext uri="{FF2B5EF4-FFF2-40B4-BE49-F238E27FC236}">
+                <a16:creationId xmlns:a16="http://schemas.microsoft.com/office/drawing/2014/main" id="{42F5619F-31D3-4C5A-9497-BF1504155F07}"/>
+              </a:ext>
+            </a:extLst>
+          </p:cNvPr>
+          <p:cNvSpPr>
+            <a:spLocks noGrp="1"/>
+          </p:cNvSpPr>
+          <p:nvPr>
+            <p:ph type="body" sz="quarter" idx="13"/>
+          </p:nvPr>
+        </p:nvSpPr>
+        <p:spPr>
+          <a:xfrm>
+            <a:off x="301752" y="1143000"/>
+            <a:ext cx="4872132" cy="4956048"/>
+          </a:xfrm>
+        </p:spPr>
+        <p:txBody>
+          <a:bodyPr/>
+          <a:lstStyle/>
+          <a:p>
+            <a:r>
+              <a:rPr lang="en-US" dirty="0"/>
+              <a:t>Scale not by CPU/Memory usage, but based on number of message in a queue waiting for processing</a:t>
+            </a:r>
+          </a:p>
+          <a:p>
+            <a:r>
+              <a:rPr lang="en-US" dirty="0"/>
+              <a:t>Can save memory/</a:t>
+            </a:r>
+            <a:r>
+              <a:rPr lang="en-US" dirty="0" err="1"/>
+              <a:t>cpu</a:t>
+            </a:r>
+            <a:r>
+              <a:rPr lang="en-US" dirty="0"/>
+              <a:t> and decrease number of instances to 0 (ZERO) if no demand</a:t>
+            </a:r>
+          </a:p>
+          <a:p>
+            <a:r>
+              <a:rPr lang="en-US" dirty="0"/>
+              <a:t>In a case of big chunk of events come- can rapidly scale from zero to N.</a:t>
+            </a:r>
+          </a:p>
+        </p:txBody>
+      </p:sp>
+      <p:pic>
+        <p:nvPicPr>
+          <p:cNvPr id="3074" name="Picture 2" descr="KEDA architecture">
+            <a:extLst>
+              <a:ext uri="{FF2B5EF4-FFF2-40B4-BE49-F238E27FC236}">
+                <a16:creationId xmlns:a16="http://schemas.microsoft.com/office/drawing/2014/main" id="{73B5C7C2-95BF-48BF-8B70-22D9974BD2D6}"/>
+              </a:ext>
+            </a:extLst>
+          </p:cNvPr>
+          <p:cNvPicPr>
+            <a:picLocks noChangeAspect="1" noChangeArrowheads="1"/>
+          </p:cNvPicPr>
+          <p:nvPr/>
+        </p:nvPicPr>
+        <p:blipFill>
+          <a:blip r:embed="rId2">
+            <a:extLst>
+              <a:ext uri="{28A0092B-C50C-407E-A947-70E740481C1C}">
+                <a14:useLocalDpi xmlns:a14="http://schemas.microsoft.com/office/drawing/2010/main" val="0"/>
+              </a:ext>
+            </a:extLst>
+          </a:blip>
+          <a:srcRect/>
+          <a:stretch>
+            <a:fillRect/>
+          </a:stretch>
+        </p:blipFill>
+        <p:spPr bwMode="auto">
+          <a:xfrm>
+            <a:off x="5357578" y="1143000"/>
+            <a:ext cx="5777468" cy="4956049"/>
+          </a:xfrm>
+          <a:prstGeom prst="rect">
+            <a:avLst/>
+          </a:prstGeom>
+          <a:noFill/>
+          <a:extLst>
+            <a:ext uri="{909E8E84-426E-40DD-AFC4-6F175D3DCCD1}">
+              <a14:hiddenFill xmlns:a14="http://schemas.microsoft.com/office/drawing/2010/main">
+                <a:solidFill>
+                  <a:srgbClr val="FFFFFF"/>
+                </a:solidFill>
+              </a14:hiddenFill>
+            </a:ext>
+          </a:extLst>
+        </p:spPr>
+      </p:pic>
+    </p:spTree>
+    <p:extLst>
+      <p:ext uri="{BB962C8B-B14F-4D97-AF65-F5344CB8AC3E}">
+        <p14:creationId xmlns:p14="http://schemas.microsoft.com/office/powerpoint/2010/main" val="4221156484"/>
+      </p:ext>
+    </p:extLst>
+  </p:cSld>
+  <p:clrMapOvr>
+    <a:masterClrMapping/>
+  </p:clrMapOvr>
+</p:sld>
+</file>
+
+<file path=ppt/slides/slide11.xml><?xml version="1.0" encoding="utf-8"?>
+<p:sld xmlns:a="http://schemas.openxmlformats.org/drawingml/2006/main" xmlns:r="http://schemas.openxmlformats.org/officeDocument/2006/relationships" xmlns:p="http://schemas.openxmlformats.org/presentationml/2006/main" show="0">
+  <p:cSld>
+    <p:spTree>
+      <p:nvGrpSpPr>
+        <p:cNvPr id="1" name=""/>
+        <p:cNvGrpSpPr/>
+        <p:nvPr/>
+      </p:nvGrpSpPr>
+      <p:grpSpPr>
+        <a:xfrm>
+          <a:off x="0" y="0"/>
+          <a:ext cx="0" cy="0"/>
+          <a:chOff x="0" y="0"/>
+          <a:chExt cx="0" cy="0"/>
+        </a:xfrm>
+      </p:grpSpPr>
+      <p:sp>
+        <p:nvSpPr>
+          <p:cNvPr id="2" name="Title 1">
+            <a:extLst>
+              <a:ext uri="{FF2B5EF4-FFF2-40B4-BE49-F238E27FC236}">
                 <a16:creationId xmlns:a16="http://schemas.microsoft.com/office/drawing/2014/main" id="{393F731A-F56D-452B-ADAF-EB877B7674F0}"/>
               </a:ext>
             </a:extLst>
@@ -2978,8 +3146,8 @@
 </p:sld>
 </file>
 
-<file path=ppt/slides/slide11.xml><?xml version="1.0" encoding="utf-8"?>
-<p:sld xmlns:a="http://schemas.openxmlformats.org/drawingml/2006/main" xmlns:r="http://schemas.openxmlformats.org/officeDocument/2006/relationships" xmlns:p="http://schemas.openxmlformats.org/presentationml/2006/main" show="0">
+<file path=ppt/slides/slide12.xml><?xml version="1.0" encoding="utf-8"?>
+<p:sld xmlns:a="http://schemas.openxmlformats.org/drawingml/2006/main" xmlns:r="http://schemas.openxmlformats.org/officeDocument/2006/relationships" xmlns:p="http://schemas.openxmlformats.org/presentationml/2006/main">
   <p:cSld>
     <p:spTree>
       <p:nvGrpSpPr>
@@ -3000,6 +3168,721 @@
           <p:cNvPr id="2" name="Title 1">
             <a:extLst>
               <a:ext uri="{FF2B5EF4-FFF2-40B4-BE49-F238E27FC236}">
+                <a16:creationId xmlns:a16="http://schemas.microsoft.com/office/drawing/2014/main" id="{84B49505-E285-45D0-8A0E-6420DFDE09B2}"/>
+              </a:ext>
+            </a:extLst>
+          </p:cNvPr>
+          <p:cNvSpPr>
+            <a:spLocks noGrp="1"/>
+          </p:cNvSpPr>
+          <p:nvPr>
+            <p:ph type="title"/>
+          </p:nvPr>
+        </p:nvSpPr>
+        <p:spPr/>
+        <p:txBody>
+          <a:bodyPr/>
+          <a:lstStyle/>
+          <a:p>
+            <a:r>
+              <a:rPr lang="en-US" dirty="0"/>
+              <a:t>Kubernetes VM type/size selection</a:t>
+            </a:r>
+          </a:p>
+        </p:txBody>
+      </p:sp>
+      <p:sp>
+        <p:nvSpPr>
+          <p:cNvPr id="3" name="Text Placeholder 2">
+            <a:extLst>
+              <a:ext uri="{FF2B5EF4-FFF2-40B4-BE49-F238E27FC236}">
+                <a16:creationId xmlns:a16="http://schemas.microsoft.com/office/drawing/2014/main" id="{10447AFB-9C40-42B0-A855-8CC77EC0E686}"/>
+              </a:ext>
+            </a:extLst>
+          </p:cNvPr>
+          <p:cNvSpPr>
+            <a:spLocks noGrp="1"/>
+          </p:cNvSpPr>
+          <p:nvPr>
+            <p:ph type="body" sz="quarter" idx="13"/>
+          </p:nvPr>
+        </p:nvSpPr>
+        <p:spPr/>
+        <p:txBody>
+          <a:bodyPr>
+            <a:normAutofit lnSpcReduction="10000"/>
+          </a:bodyPr>
+          <a:lstStyle/>
+          <a:p>
+            <a:r>
+              <a:rPr lang="en-US" dirty="0"/>
+              <a:t>Previously mostly worked with </a:t>
+            </a:r>
+            <a:r>
+              <a:rPr lang="en-US" dirty="0" err="1"/>
+              <a:t>.net</a:t>
+            </a:r>
+            <a:r>
+              <a:rPr lang="en-US" dirty="0"/>
+              <a:t> core projects where memory was not a problem</a:t>
+            </a:r>
+          </a:p>
+          <a:p>
+            <a:r>
+              <a:rPr lang="en-US" dirty="0"/>
+              <a:t>In java, people </a:t>
+            </a:r>
+            <a:r>
+              <a:rPr lang="en-US" dirty="0" err="1"/>
+              <a:t>wanna</a:t>
+            </a:r>
+            <a:r>
+              <a:rPr lang="en-US" dirty="0"/>
+              <a:t> specify max heap size </a:t>
+            </a:r>
+            <a:r>
+              <a:rPr lang="en-US" strike="sngStrike" dirty="0"/>
+              <a:t>that sounds crazy for </a:t>
+            </a:r>
+            <a:r>
+              <a:rPr lang="en-US" strike="sngStrike" dirty="0" err="1"/>
+              <a:t>.net</a:t>
+            </a:r>
+            <a:r>
+              <a:rPr lang="en-US" strike="sngStrike" dirty="0"/>
+              <a:t> dev.</a:t>
+            </a:r>
+          </a:p>
+          <a:p>
+            <a:endParaRPr lang="en-US" dirty="0"/>
+          </a:p>
+          <a:p>
+            <a:endParaRPr lang="en-US" dirty="0"/>
+          </a:p>
+          <a:p>
+            <a:endParaRPr lang="en-US" dirty="0"/>
+          </a:p>
+          <a:p>
+            <a:endParaRPr lang="en-US" dirty="0"/>
+          </a:p>
+          <a:p>
+            <a:endParaRPr lang="en-US" dirty="0"/>
+          </a:p>
+          <a:p>
+            <a:endParaRPr lang="en-US" dirty="0"/>
+          </a:p>
+          <a:p>
+            <a:r>
+              <a:rPr lang="en-US" dirty="0"/>
+              <a:t>Traditionally for AKS used D_v2 VMs with </a:t>
+            </a:r>
+            <a:r>
+              <a:rPr lang="en-US" dirty="0" err="1"/>
+              <a:t>CPU:Memory</a:t>
+            </a:r>
+            <a:r>
+              <a:rPr lang="en-US" dirty="0"/>
+              <a:t> ration 1:3.5 or 1:4 </a:t>
+            </a:r>
+          </a:p>
+          <a:p>
+            <a:pPr lvl="1"/>
+            <a:r>
+              <a:rPr lang="en-US" dirty="0"/>
+              <a:t>that means that on each node can be run 4*X containers only that is not too high number</a:t>
+            </a:r>
+          </a:p>
+          <a:p>
+            <a:r>
+              <a:rPr lang="en-US" dirty="0"/>
+              <a:t>For non-production environments, when CPU used not too intensive – we can fall to “not enough memory” situation when CPU not consumed even on 10%. We need nodes with more memory to reduce costs</a:t>
+            </a:r>
+          </a:p>
+        </p:txBody>
+      </p:sp>
+      <p:pic>
+        <p:nvPicPr>
+          <p:cNvPr id="5" name="Picture 4">
+            <a:extLst>
+              <a:ext uri="{FF2B5EF4-FFF2-40B4-BE49-F238E27FC236}">
+                <a16:creationId xmlns:a16="http://schemas.microsoft.com/office/drawing/2014/main" id="{E1ED87D5-D440-44AF-B9CC-D88317E7475B}"/>
+              </a:ext>
+            </a:extLst>
+          </p:cNvPr>
+          <p:cNvPicPr>
+            <a:picLocks noChangeAspect="1"/>
+          </p:cNvPicPr>
+          <p:nvPr/>
+        </p:nvPicPr>
+        <p:blipFill>
+          <a:blip r:embed="rId2"/>
+          <a:stretch>
+            <a:fillRect/>
+          </a:stretch>
+        </p:blipFill>
+        <p:spPr>
+          <a:xfrm>
+            <a:off x="615696" y="2009067"/>
+            <a:ext cx="2584704" cy="2038089"/>
+          </a:xfrm>
+          <a:prstGeom prst="rect">
+            <a:avLst/>
+          </a:prstGeom>
+        </p:spPr>
+      </p:pic>
+      <p:pic>
+        <p:nvPicPr>
+          <p:cNvPr id="9" name="Picture 8">
+            <a:extLst>
+              <a:ext uri="{FF2B5EF4-FFF2-40B4-BE49-F238E27FC236}">
+                <a16:creationId xmlns:a16="http://schemas.microsoft.com/office/drawing/2014/main" id="{1FC8FA68-C413-426C-9691-18A1D1D5F9C9}"/>
+              </a:ext>
+            </a:extLst>
+          </p:cNvPr>
+          <p:cNvPicPr>
+            <a:picLocks noChangeAspect="1"/>
+          </p:cNvPicPr>
+          <p:nvPr/>
+        </p:nvPicPr>
+        <p:blipFill>
+          <a:blip r:embed="rId3"/>
+          <a:stretch>
+            <a:fillRect/>
+          </a:stretch>
+        </p:blipFill>
+        <p:spPr>
+          <a:xfrm>
+            <a:off x="4138347" y="2009067"/>
+            <a:ext cx="5960693" cy="2102103"/>
+          </a:xfrm>
+          <a:prstGeom prst="rect">
+            <a:avLst/>
+          </a:prstGeom>
+        </p:spPr>
+      </p:pic>
+    </p:spTree>
+    <p:extLst>
+      <p:ext uri="{BB962C8B-B14F-4D97-AF65-F5344CB8AC3E}">
+        <p14:creationId xmlns:p14="http://schemas.microsoft.com/office/powerpoint/2010/main" val="3307601438"/>
+      </p:ext>
+    </p:extLst>
+  </p:cSld>
+  <p:clrMapOvr>
+    <a:masterClrMapping/>
+  </p:clrMapOvr>
+  <p:timing>
+    <p:tnLst>
+      <p:par>
+        <p:cTn id="1" dur="indefinite" restart="never" nodeType="tmRoot">
+          <p:childTnLst>
+            <p:seq concurrent="1" nextAc="seek">
+              <p:cTn id="2" dur="indefinite" nodeType="mainSeq">
+                <p:childTnLst>
+                  <p:par>
+                    <p:cTn id="3" fill="hold">
+                      <p:stCondLst>
+                        <p:cond delay="indefinite"/>
+                      </p:stCondLst>
+                      <p:childTnLst>
+                        <p:par>
+                          <p:cTn id="4" fill="hold">
+                            <p:stCondLst>
+                              <p:cond delay="0"/>
+                            </p:stCondLst>
+                            <p:childTnLst>
+                              <p:par>
+                                <p:cTn id="5" presetID="1" presetClass="entr" presetSubtype="0" fill="hold" nodeType="clickEffect">
+                                  <p:stCondLst>
+                                    <p:cond delay="0"/>
+                                  </p:stCondLst>
+                                  <p:childTnLst>
+                                    <p:set>
+                                      <p:cBhvr>
+                                        <p:cTn id="6" dur="1" fill="hold">
+                                          <p:stCondLst>
+                                            <p:cond delay="0"/>
+                                          </p:stCondLst>
+                                        </p:cTn>
+                                        <p:tgtEl>
+                                          <p:spTgt spid="5"/>
+                                        </p:tgtEl>
+                                        <p:attrNameLst>
+                                          <p:attrName>style.visibility</p:attrName>
+                                        </p:attrNameLst>
+                                      </p:cBhvr>
+                                      <p:to>
+                                        <p:strVal val="visible"/>
+                                      </p:to>
+                                    </p:set>
+                                  </p:childTnLst>
+                                </p:cTn>
+                              </p:par>
+                              <p:par>
+                                <p:cTn id="7" presetID="1" presetClass="entr" presetSubtype="0" fill="hold" nodeType="withEffect">
+                                  <p:stCondLst>
+                                    <p:cond delay="0"/>
+                                  </p:stCondLst>
+                                  <p:childTnLst>
+                                    <p:set>
+                                      <p:cBhvr>
+                                        <p:cTn id="8" dur="1" fill="hold">
+                                          <p:stCondLst>
+                                            <p:cond delay="0"/>
+                                          </p:stCondLst>
+                                        </p:cTn>
+                                        <p:tgtEl>
+                                          <p:spTgt spid="9"/>
+                                        </p:tgtEl>
+                                        <p:attrNameLst>
+                                          <p:attrName>style.visibility</p:attrName>
+                                        </p:attrNameLst>
+                                      </p:cBhvr>
+                                      <p:to>
+                                        <p:strVal val="visible"/>
+                                      </p:to>
+                                    </p:set>
+                                  </p:childTnLst>
+                                </p:cTn>
+                              </p:par>
+                            </p:childTnLst>
+                          </p:cTn>
+                        </p:par>
+                      </p:childTnLst>
+                    </p:cTn>
+                  </p:par>
+                </p:childTnLst>
+              </p:cTn>
+              <p:prevCondLst>
+                <p:cond evt="onPrev" delay="0">
+                  <p:tgtEl>
+                    <p:sldTgt/>
+                  </p:tgtEl>
+                </p:cond>
+              </p:prevCondLst>
+              <p:nextCondLst>
+                <p:cond evt="onNext" delay="0">
+                  <p:tgtEl>
+                    <p:sldTgt/>
+                  </p:tgtEl>
+                </p:cond>
+              </p:nextCondLst>
+            </p:seq>
+          </p:childTnLst>
+        </p:cTn>
+      </p:par>
+    </p:tnLst>
+  </p:timing>
+</p:sld>
+</file>
+
+<file path=ppt/slides/slide13.xml><?xml version="1.0" encoding="utf-8"?>
+<p:sld xmlns:a="http://schemas.openxmlformats.org/drawingml/2006/main" xmlns:r="http://schemas.openxmlformats.org/officeDocument/2006/relationships" xmlns:p="http://schemas.openxmlformats.org/presentationml/2006/main">
+  <p:cSld>
+    <p:spTree>
+      <p:nvGrpSpPr>
+        <p:cNvPr id="1" name=""/>
+        <p:cNvGrpSpPr/>
+        <p:nvPr/>
+      </p:nvGrpSpPr>
+      <p:grpSpPr>
+        <a:xfrm>
+          <a:off x="0" y="0"/>
+          <a:ext cx="0" cy="0"/>
+          <a:chOff x="0" y="0"/>
+          <a:chExt cx="0" cy="0"/>
+        </a:xfrm>
+      </p:grpSpPr>
+      <p:sp>
+        <p:nvSpPr>
+          <p:cNvPr id="2" name="Title 1">
+            <a:extLst>
+              <a:ext uri="{FF2B5EF4-FFF2-40B4-BE49-F238E27FC236}">
+                <a16:creationId xmlns:a16="http://schemas.microsoft.com/office/drawing/2014/main" id="{6628F77E-1778-4C3D-9A35-D6B52EAC5292}"/>
+              </a:ext>
+            </a:extLst>
+          </p:cNvPr>
+          <p:cNvSpPr>
+            <a:spLocks noGrp="1"/>
+          </p:cNvSpPr>
+          <p:nvPr>
+            <p:ph type="title"/>
+          </p:nvPr>
+        </p:nvSpPr>
+        <p:spPr/>
+        <p:txBody>
+          <a:bodyPr/>
+          <a:lstStyle/>
+          <a:p>
+            <a:r>
+              <a:rPr lang="en-US" dirty="0"/>
+              <a:t>Kubernetes VM type/size selection 2</a:t>
+            </a:r>
+          </a:p>
+        </p:txBody>
+      </p:sp>
+      <p:sp>
+        <p:nvSpPr>
+          <p:cNvPr id="3" name="Text Placeholder 2">
+            <a:extLst>
+              <a:ext uri="{FF2B5EF4-FFF2-40B4-BE49-F238E27FC236}">
+                <a16:creationId xmlns:a16="http://schemas.microsoft.com/office/drawing/2014/main" id="{AC11DB4F-84FF-4FCD-9D3F-9A7C081CCCB6}"/>
+              </a:ext>
+            </a:extLst>
+          </p:cNvPr>
+          <p:cNvSpPr>
+            <a:spLocks noGrp="1"/>
+          </p:cNvSpPr>
+          <p:nvPr>
+            <p:ph type="body" sz="quarter" idx="13"/>
+          </p:nvPr>
+        </p:nvSpPr>
+        <p:spPr>
+          <a:xfrm>
+            <a:off x="301752" y="1142999"/>
+            <a:ext cx="6962648" cy="2860041"/>
+          </a:xfrm>
+        </p:spPr>
+        <p:txBody>
+          <a:bodyPr>
+            <a:normAutofit fontScale="92500" lnSpcReduction="20000"/>
+          </a:bodyPr>
+          <a:lstStyle/>
+          <a:p>
+            <a:r>
+              <a:rPr lang="en-US" dirty="0"/>
+              <a:t>To solve it instead of D VMs could be used memory optimized VM type E, but E VMs could be slower per core due to Hyper-Threading or </a:t>
+            </a:r>
+            <a:r>
+              <a:rPr lang="en-US" dirty="0" err="1"/>
+              <a:t>vCPU:CPU</a:t>
+            </a:r>
+            <a:r>
+              <a:rPr lang="en-US" dirty="0"/>
+              <a:t> ratio.</a:t>
+            </a:r>
+          </a:p>
+          <a:p>
+            <a:r>
+              <a:rPr lang="en-US" dirty="0"/>
+              <a:t>E </a:t>
+            </a:r>
+            <a:r>
+              <a:rPr lang="en-US" dirty="0" err="1"/>
+              <a:t>vms</a:t>
+            </a:r>
+            <a:r>
+              <a:rPr lang="en-US" dirty="0"/>
+              <a:t> on 15% more expensive but will give twice more memory.</a:t>
+            </a:r>
+          </a:p>
+          <a:p>
+            <a:r>
+              <a:rPr lang="en-US" dirty="0"/>
+              <a:t>It’s a trade off- performance/costs/utilization</a:t>
+            </a:r>
+          </a:p>
+          <a:p>
+            <a:r>
+              <a:rPr lang="en-US" dirty="0"/>
+              <a:t>You need to be ready for this performance impact on start and response time.</a:t>
+            </a:r>
+          </a:p>
+          <a:p>
+            <a:pPr lvl="1"/>
+            <a:r>
+              <a:rPr lang="en-US" dirty="0"/>
+              <a:t>For example- increase time before first health probe</a:t>
+            </a:r>
+          </a:p>
+          <a:p>
+            <a:endParaRPr lang="en-US" dirty="0"/>
+          </a:p>
+        </p:txBody>
+      </p:sp>
+      <p:pic>
+        <p:nvPicPr>
+          <p:cNvPr id="5" name="Picture 4">
+            <a:extLst>
+              <a:ext uri="{FF2B5EF4-FFF2-40B4-BE49-F238E27FC236}">
+                <a16:creationId xmlns:a16="http://schemas.microsoft.com/office/drawing/2014/main" id="{5708C61A-FFCB-4C7B-B67A-159E08135572}"/>
+              </a:ext>
+            </a:extLst>
+          </p:cNvPr>
+          <p:cNvPicPr>
+            <a:picLocks noChangeAspect="1"/>
+          </p:cNvPicPr>
+          <p:nvPr/>
+        </p:nvPicPr>
+        <p:blipFill>
+          <a:blip r:embed="rId2"/>
+          <a:stretch>
+            <a:fillRect/>
+          </a:stretch>
+        </p:blipFill>
+        <p:spPr>
+          <a:xfrm>
+            <a:off x="7660640" y="631698"/>
+            <a:ext cx="3657600" cy="5467350"/>
+          </a:xfrm>
+          <a:prstGeom prst="rect">
+            <a:avLst/>
+          </a:prstGeom>
+        </p:spPr>
+      </p:pic>
+      <p:pic>
+        <p:nvPicPr>
+          <p:cNvPr id="7" name="Picture 6">
+            <a:extLst>
+              <a:ext uri="{FF2B5EF4-FFF2-40B4-BE49-F238E27FC236}">
+                <a16:creationId xmlns:a16="http://schemas.microsoft.com/office/drawing/2014/main" id="{EE19D0A0-16BA-4E21-BC69-A6F1F944CA99}"/>
+              </a:ext>
+            </a:extLst>
+          </p:cNvPr>
+          <p:cNvPicPr>
+            <a:picLocks noChangeAspect="1"/>
+          </p:cNvPicPr>
+          <p:nvPr/>
+        </p:nvPicPr>
+        <p:blipFill>
+          <a:blip r:embed="rId3"/>
+          <a:stretch>
+            <a:fillRect/>
+          </a:stretch>
+        </p:blipFill>
+        <p:spPr>
+          <a:xfrm>
+            <a:off x="873760" y="3911997"/>
+            <a:ext cx="2620579" cy="2187051"/>
+          </a:xfrm>
+          <a:prstGeom prst="rect">
+            <a:avLst/>
+          </a:prstGeom>
+        </p:spPr>
+      </p:pic>
+    </p:spTree>
+    <p:extLst>
+      <p:ext uri="{BB962C8B-B14F-4D97-AF65-F5344CB8AC3E}">
+        <p14:creationId xmlns:p14="http://schemas.microsoft.com/office/powerpoint/2010/main" val="741697540"/>
+      </p:ext>
+    </p:extLst>
+  </p:cSld>
+  <p:clrMapOvr>
+    <a:masterClrMapping/>
+  </p:clrMapOvr>
+  <p:timing>
+    <p:tnLst>
+      <p:par>
+        <p:cTn id="1" dur="indefinite" restart="never" nodeType="tmRoot">
+          <p:childTnLst>
+            <p:seq concurrent="1" nextAc="seek">
+              <p:cTn id="2" dur="indefinite" nodeType="mainSeq">
+                <p:childTnLst>
+                  <p:par>
+                    <p:cTn id="3" fill="hold">
+                      <p:stCondLst>
+                        <p:cond delay="indefinite"/>
+                      </p:stCondLst>
+                      <p:childTnLst>
+                        <p:par>
+                          <p:cTn id="4" fill="hold">
+                            <p:stCondLst>
+                              <p:cond delay="0"/>
+                            </p:stCondLst>
+                            <p:childTnLst>
+                              <p:par>
+                                <p:cTn id="5" presetID="1" presetClass="entr" presetSubtype="0" fill="hold" grpId="0" nodeType="clickEffect">
+                                  <p:stCondLst>
+                                    <p:cond delay="0"/>
+                                  </p:stCondLst>
+                                  <p:childTnLst>
+                                    <p:set>
+                                      <p:cBhvr>
+                                        <p:cTn id="6" dur="1" fill="hold">
+                                          <p:stCondLst>
+                                            <p:cond delay="0"/>
+                                          </p:stCondLst>
+                                        </p:cTn>
+                                        <p:tgtEl>
+                                          <p:spTgt spid="3">
+                                            <p:txEl>
+                                              <p:pRg st="2" end="2"/>
+                                            </p:txEl>
+                                          </p:spTgt>
+                                        </p:tgtEl>
+                                        <p:attrNameLst>
+                                          <p:attrName>style.visibility</p:attrName>
+                                        </p:attrNameLst>
+                                      </p:cBhvr>
+                                      <p:to>
+                                        <p:strVal val="visible"/>
+                                      </p:to>
+                                    </p:set>
+                                  </p:childTnLst>
+                                </p:cTn>
+                              </p:par>
+                            </p:childTnLst>
+                          </p:cTn>
+                        </p:par>
+                      </p:childTnLst>
+                    </p:cTn>
+                  </p:par>
+                  <p:par>
+                    <p:cTn id="7" fill="hold">
+                      <p:stCondLst>
+                        <p:cond delay="indefinite"/>
+                      </p:stCondLst>
+                      <p:childTnLst>
+                        <p:par>
+                          <p:cTn id="8" fill="hold">
+                            <p:stCondLst>
+                              <p:cond delay="0"/>
+                            </p:stCondLst>
+                            <p:childTnLst>
+                              <p:par>
+                                <p:cTn id="9" presetID="1" presetClass="entr" presetSubtype="0" fill="hold" grpId="0" nodeType="clickEffect">
+                                  <p:stCondLst>
+                                    <p:cond delay="0"/>
+                                  </p:stCondLst>
+                                  <p:childTnLst>
+                                    <p:set>
+                                      <p:cBhvr>
+                                        <p:cTn id="10" dur="1" fill="hold">
+                                          <p:stCondLst>
+                                            <p:cond delay="0"/>
+                                          </p:stCondLst>
+                                        </p:cTn>
+                                        <p:tgtEl>
+                                          <p:spTgt spid="3">
+                                            <p:txEl>
+                                              <p:pRg st="3" end="3"/>
+                                            </p:txEl>
+                                          </p:spTgt>
+                                        </p:tgtEl>
+                                        <p:attrNameLst>
+                                          <p:attrName>style.visibility</p:attrName>
+                                        </p:attrNameLst>
+                                      </p:cBhvr>
+                                      <p:to>
+                                        <p:strVal val="visible"/>
+                                      </p:to>
+                                    </p:set>
+                                  </p:childTnLst>
+                                </p:cTn>
+                              </p:par>
+                              <p:par>
+                                <p:cTn id="11" presetID="1" presetClass="entr" presetSubtype="0" fill="hold" grpId="0" nodeType="withEffect">
+                                  <p:stCondLst>
+                                    <p:cond delay="0"/>
+                                  </p:stCondLst>
+                                  <p:childTnLst>
+                                    <p:set>
+                                      <p:cBhvr>
+                                        <p:cTn id="12" dur="1" fill="hold">
+                                          <p:stCondLst>
+                                            <p:cond delay="0"/>
+                                          </p:stCondLst>
+                                        </p:cTn>
+                                        <p:tgtEl>
+                                          <p:spTgt spid="3">
+                                            <p:txEl>
+                                              <p:pRg st="4" end="4"/>
+                                            </p:txEl>
+                                          </p:spTgt>
+                                        </p:tgtEl>
+                                        <p:attrNameLst>
+                                          <p:attrName>style.visibility</p:attrName>
+                                        </p:attrNameLst>
+                                      </p:cBhvr>
+                                      <p:to>
+                                        <p:strVal val="visible"/>
+                                      </p:to>
+                                    </p:set>
+                                  </p:childTnLst>
+                                </p:cTn>
+                              </p:par>
+                              <p:par>
+                                <p:cTn id="13" presetID="1" presetClass="entr" presetSubtype="0" fill="hold" nodeType="withEffect">
+                                  <p:stCondLst>
+                                    <p:cond delay="0"/>
+                                  </p:stCondLst>
+                                  <p:childTnLst>
+                                    <p:set>
+                                      <p:cBhvr>
+                                        <p:cTn id="14" dur="1" fill="hold">
+                                          <p:stCondLst>
+                                            <p:cond delay="0"/>
+                                          </p:stCondLst>
+                                        </p:cTn>
+                                        <p:tgtEl>
+                                          <p:spTgt spid="7"/>
+                                        </p:tgtEl>
+                                        <p:attrNameLst>
+                                          <p:attrName>style.visibility</p:attrName>
+                                        </p:attrNameLst>
+                                      </p:cBhvr>
+                                      <p:to>
+                                        <p:strVal val="visible"/>
+                                      </p:to>
+                                    </p:set>
+                                  </p:childTnLst>
+                                </p:cTn>
+                              </p:par>
+                            </p:childTnLst>
+                          </p:cTn>
+                        </p:par>
+                      </p:childTnLst>
+                    </p:cTn>
+                  </p:par>
+                </p:childTnLst>
+              </p:cTn>
+              <p:prevCondLst>
+                <p:cond evt="onPrev" delay="0">
+                  <p:tgtEl>
+                    <p:sldTgt/>
+                  </p:tgtEl>
+                </p:cond>
+              </p:prevCondLst>
+              <p:nextCondLst>
+                <p:cond evt="onNext" delay="0">
+                  <p:tgtEl>
+                    <p:sldTgt/>
+                  </p:tgtEl>
+                </p:cond>
+              </p:nextCondLst>
+            </p:seq>
+          </p:childTnLst>
+        </p:cTn>
+      </p:par>
+    </p:tnLst>
+    <p:bldLst>
+      <p:bldP spid="3" grpId="0" uiExpand="1" build="p"/>
+    </p:bldLst>
+  </p:timing>
+</p:sld>
+</file>
+
+<file path=ppt/slides/slide14.xml><?xml version="1.0" encoding="utf-8"?>
+<p:sld xmlns:a="http://schemas.openxmlformats.org/drawingml/2006/main" xmlns:r="http://schemas.openxmlformats.org/officeDocument/2006/relationships" xmlns:p="http://schemas.openxmlformats.org/presentationml/2006/main">
+  <p:cSld>
+    <p:spTree>
+      <p:nvGrpSpPr>
+        <p:cNvPr id="1" name=""/>
+        <p:cNvGrpSpPr/>
+        <p:nvPr/>
+      </p:nvGrpSpPr>
+      <p:grpSpPr>
+        <a:xfrm>
+          <a:off x="0" y="0"/>
+          <a:ext cx="0" cy="0"/>
+          <a:chOff x="0" y="0"/>
+          <a:chExt cx="0" cy="0"/>
+        </a:xfrm>
+      </p:grpSpPr>
+      <p:sp>
+        <p:nvSpPr>
+          <p:cNvPr id="2" name="Title 1">
+            <a:extLst>
+              <a:ext uri="{FF2B5EF4-FFF2-40B4-BE49-F238E27FC236}">
                 <a16:creationId xmlns:a16="http://schemas.microsoft.com/office/drawing/2014/main" id="{68F2637B-A14E-40C4-8210-799264260A7B}"/>
               </a:ext>
             </a:extLst>
@@ -3049,7 +3932,72 @@
           <a:bodyPr/>
           <a:lstStyle/>
           <a:p>
-            <a:endParaRPr lang="en-US"/>
+            <a:r>
+              <a:rPr lang="en-US" dirty="0"/>
+              <a:t>Microsoft in almost all guides advertising Azure CNI (Azure advanced networking plugin for k8s)</a:t>
+            </a:r>
+          </a:p>
+          <a:p>
+            <a:r>
+              <a:rPr lang="en-US" dirty="0"/>
+              <a:t>If AKS used Azure CNI – each POD will have IP address visible in azure virtual network</a:t>
+            </a:r>
+          </a:p>
+          <a:p>
+            <a:r>
+              <a:rPr lang="en-US" dirty="0"/>
+              <a:t>Advantage of Azure CNI: </a:t>
+            </a:r>
+          </a:p>
+          <a:p>
+            <a:pPr lvl="1"/>
+            <a:r>
+              <a:rPr lang="en-US" dirty="0"/>
+              <a:t>can be connected to each POD by IP. </a:t>
+            </a:r>
+          </a:p>
+          <a:p>
+            <a:pPr lvl="1"/>
+            <a:r>
+              <a:rPr lang="en-US" dirty="0"/>
+              <a:t>Default prerequisite in almost all Microsoft guide</a:t>
+            </a:r>
+          </a:p>
+          <a:p>
+            <a:r>
+              <a:rPr lang="en-US" dirty="0"/>
+              <a:t>Disadvantage of Azure CNI:</a:t>
+            </a:r>
+          </a:p>
+          <a:p>
+            <a:pPr lvl="1"/>
+            <a:r>
+              <a:rPr lang="en-US" dirty="0"/>
+              <a:t>Azure VNET needs to be “ten times” bigger than for </a:t>
+            </a:r>
+            <a:r>
+              <a:rPr lang="en-US" dirty="0" err="1"/>
+              <a:t>kubenet</a:t>
+            </a:r>
+            <a:r>
+              <a:rPr lang="en-US" dirty="0"/>
+              <a:t> and customs with complex topology don’t want to provide big address space.</a:t>
+            </a:r>
+          </a:p>
+          <a:p>
+            <a:pPr lvl="1"/>
+            <a:r>
+              <a:rPr lang="en-US" dirty="0"/>
+              <a:t>Typically, you need to create you own guide, because </a:t>
+            </a:r>
+            <a:r>
+              <a:rPr lang="en-US" dirty="0" err="1"/>
+              <a:t>kubenet</a:t>
+            </a:r>
+            <a:r>
+              <a:rPr lang="en-US" dirty="0"/>
+              <a:t> setup not documented by Microsoft.</a:t>
+            </a:r>
           </a:p>
         </p:txBody>
       </p:sp>
@@ -3066,7 +4014,7 @@
 </p:sld>
 </file>
 
-<file path=ppt/slides/slide12.xml><?xml version="1.0" encoding="utf-8"?>
+<file path=ppt/slides/slide15.xml><?xml version="1.0" encoding="utf-8"?>
 <p:sld xmlns:a="http://schemas.openxmlformats.org/drawingml/2006/main" xmlns:r="http://schemas.openxmlformats.org/officeDocument/2006/relationships" xmlns:p="http://schemas.openxmlformats.org/presentationml/2006/main">
   <p:cSld>
     <p:spTree>
@@ -4170,7 +5118,7 @@
           <p:cNvPr id="2" name="Title 1">
             <a:extLst>
               <a:ext uri="{FF2B5EF4-FFF2-40B4-BE49-F238E27FC236}">
-                <a16:creationId xmlns:a16="http://schemas.microsoft.com/office/drawing/2014/main" id="{3687AEE4-5DD3-4A78-89A1-9BFC06476D91}"/>
+                <a16:creationId xmlns:a16="http://schemas.microsoft.com/office/drawing/2014/main" id="{850D5886-1DF5-4AB5-A6A7-6BC67764830E}"/>
               </a:ext>
             </a:extLst>
           </p:cNvPr>
@@ -4187,12 +5135,8 @@
           <a:lstStyle/>
           <a:p>
             <a:r>
-              <a:rPr lang="en-US" dirty="0" err="1"/>
-              <a:t>Keda</a:t>
-            </a:r>
-            <a:r>
-              <a:rPr lang="en-US" dirty="0"/>
-              <a:t> (Kubernetes Event driven Auto-scaling) </a:t>
+              <a:rPr lang="en-US" dirty="0"/>
+              <a:t>AKS auto-scaling</a:t>
             </a:r>
           </a:p>
         </p:txBody>
@@ -4202,7 +5146,7 @@
           <p:cNvPr id="3" name="Text Placeholder 2">
             <a:extLst>
               <a:ext uri="{FF2B5EF4-FFF2-40B4-BE49-F238E27FC236}">
-                <a16:creationId xmlns:a16="http://schemas.microsoft.com/office/drawing/2014/main" id="{42F5619F-31D3-4C5A-9497-BF1504155F07}"/>
+                <a16:creationId xmlns:a16="http://schemas.microsoft.com/office/drawing/2014/main" id="{FD1622B6-B32A-486E-BF9D-266E0E5CA0FA}"/>
               </a:ext>
             </a:extLst>
           </p:cNvPr>
@@ -4216,7 +5160,7 @@
         <p:spPr>
           <a:xfrm>
             <a:off x="301752" y="1143000"/>
-            <a:ext cx="4872132" cy="4956048"/>
+            <a:ext cx="5794248" cy="4139214"/>
           </a:xfrm>
         </p:spPr>
         <p:txBody>
@@ -4225,82 +5169,149 @@
           <a:p>
             <a:r>
               <a:rPr lang="en-US" dirty="0"/>
-              <a:t>Scale not by CPU/Memory usage, but based on number of message in a queue waiting for processing</a:t>
-            </a:r>
-          </a:p>
-          <a:p>
-            <a:r>
-              <a:rPr lang="en-US" dirty="0"/>
-              <a:t>Can save memory/</a:t>
-            </a:r>
-            <a:r>
-              <a:rPr lang="en-US" dirty="0" err="1"/>
-              <a:t>cpu</a:t>
-            </a:r>
-            <a:r>
-              <a:rPr lang="en-US" dirty="0"/>
-              <a:t> and decrease number of instances to 0 (ZERO) if no demand</a:t>
-            </a:r>
-          </a:p>
-          <a:p>
-            <a:r>
-              <a:rPr lang="en-US" dirty="0"/>
-              <a:t>In a case of big chunk of events come- can rapidly scale from zero to N.</a:t>
+              <a:t>Need to enable on AKS and on VMSS pool</a:t>
+            </a:r>
+          </a:p>
+          <a:p>
+            <a:r>
+              <a:rPr lang="en-US" dirty="0"/>
+              <a:t>Challenges: </a:t>
+            </a:r>
+          </a:p>
+          <a:p>
+            <a:pPr lvl="1"/>
+            <a:r>
+              <a:rPr lang="en-US" dirty="0"/>
+              <a:t>Can’t create multiple auto-scaler profiles (for app service – it’s possible)</a:t>
+            </a:r>
+          </a:p>
+          <a:p>
+            <a:pPr lvl="1"/>
+            <a:r>
+              <a:rPr lang="en-US" dirty="0"/>
+              <a:t>How to scale more than one pool – unclear</a:t>
+            </a:r>
+          </a:p>
+          <a:p>
+            <a:pPr lvl="1"/>
+            <a:r>
+              <a:rPr lang="en-US" dirty="0"/>
+              <a:t>Can’t scale by schedule (again - app service)</a:t>
+            </a:r>
+          </a:p>
+          <a:p>
+            <a:pPr lvl="1"/>
+            <a:r>
+              <a:rPr lang="en-US" dirty="0"/>
+              <a:t>Can’t scale by memory (important for memory intensive services/platforms)</a:t>
             </a:r>
           </a:p>
         </p:txBody>
       </p:sp>
       <p:pic>
         <p:nvPicPr>
-          <p:cNvPr id="3074" name="Picture 2" descr="KEDA architecture">
+          <p:cNvPr id="5" name="Picture 4">
             <a:extLst>
               <a:ext uri="{FF2B5EF4-FFF2-40B4-BE49-F238E27FC236}">
-                <a16:creationId xmlns:a16="http://schemas.microsoft.com/office/drawing/2014/main" id="{73B5C7C2-95BF-48BF-8B70-22D9974BD2D6}"/>
+                <a16:creationId xmlns:a16="http://schemas.microsoft.com/office/drawing/2014/main" id="{9D659A2F-BE8F-43E8-A4D3-84E4BA9E64EB}"/>
               </a:ext>
             </a:extLst>
           </p:cNvPr>
           <p:cNvPicPr>
-            <a:picLocks noChangeAspect="1" noChangeArrowheads="1"/>
+            <a:picLocks noChangeAspect="1"/>
           </p:cNvPicPr>
           <p:nvPr/>
         </p:nvPicPr>
         <p:blipFill>
-          <a:blip r:embed="rId2">
-            <a:extLst>
-              <a:ext uri="{28A0092B-C50C-407E-A947-70E740481C1C}">
-                <a14:useLocalDpi xmlns:a14="http://schemas.microsoft.com/office/drawing/2010/main" val="0"/>
-              </a:ext>
-            </a:extLst>
-          </a:blip>
-          <a:srcRect/>
+          <a:blip r:embed="rId2"/>
           <a:stretch>
             <a:fillRect/>
           </a:stretch>
         </p:blipFill>
-        <p:spPr bwMode="auto">
+        <p:spPr>
           <a:xfrm>
-            <a:off x="5357578" y="1143000"/>
-            <a:ext cx="5777468" cy="4956049"/>
+            <a:off x="6394465" y="1143000"/>
+            <a:ext cx="4143329" cy="3883812"/>
           </a:xfrm>
           <a:prstGeom prst="rect">
             <a:avLst/>
           </a:prstGeom>
-          <a:noFill/>
-          <a:extLst>
-            <a:ext uri="{909E8E84-426E-40DD-AFC4-6F175D3DCCD1}">
-              <a14:hiddenFill xmlns:a14="http://schemas.microsoft.com/office/drawing/2010/main">
-                <a:solidFill>
-                  <a:srgbClr val="FFFFFF"/>
-                </a:solidFill>
-              </a14:hiddenFill>
-            </a:ext>
-          </a:extLst>
         </p:spPr>
       </p:pic>
+      <p:pic>
+        <p:nvPicPr>
+          <p:cNvPr id="6" name="Picture 5">
+            <a:extLst>
+              <a:ext uri="{FF2B5EF4-FFF2-40B4-BE49-F238E27FC236}">
+                <a16:creationId xmlns:a16="http://schemas.microsoft.com/office/drawing/2014/main" id="{340DC227-B704-4F42-8895-2DF546972AC0}"/>
+              </a:ext>
+            </a:extLst>
+          </p:cNvPr>
+          <p:cNvPicPr>
+            <a:picLocks noChangeAspect="1"/>
+          </p:cNvPicPr>
+          <p:nvPr/>
+        </p:nvPicPr>
+        <p:blipFill>
+          <a:blip r:embed="rId3"/>
+          <a:stretch>
+            <a:fillRect/>
+          </a:stretch>
+        </p:blipFill>
+        <p:spPr>
+          <a:xfrm>
+            <a:off x="6394465" y="5110162"/>
+            <a:ext cx="3267075" cy="1209675"/>
+          </a:xfrm>
+          <a:prstGeom prst="rect">
+            <a:avLst/>
+          </a:prstGeom>
+        </p:spPr>
+      </p:pic>
+      <p:sp>
+        <p:nvSpPr>
+          <p:cNvPr id="7" name="Rectangle 6">
+            <a:extLst>
+              <a:ext uri="{FF2B5EF4-FFF2-40B4-BE49-F238E27FC236}">
+                <a16:creationId xmlns:a16="http://schemas.microsoft.com/office/drawing/2014/main" id="{3E8A4DF8-33EF-4E8C-9230-26FEADF57D7B}"/>
+              </a:ext>
+            </a:extLst>
+          </p:cNvPr>
+          <p:cNvSpPr/>
+          <p:nvPr/>
+        </p:nvSpPr>
+        <p:spPr>
+          <a:xfrm>
+            <a:off x="301752" y="5556072"/>
+            <a:ext cx="6096000" cy="646331"/>
+          </a:xfrm>
+          <a:prstGeom prst="rect">
+            <a:avLst/>
+          </a:prstGeom>
+        </p:spPr>
+        <p:txBody>
+          <a:bodyPr>
+            <a:spAutoFit/>
+          </a:bodyPr>
+          <a:lstStyle/>
+          <a:p>
+            <a:r>
+              <a:rPr lang="en-US" dirty="0">
+                <a:hlinkClick r:id="rId4"/>
+              </a:rPr>
+              <a:t>https://docs.microsoft.com/en-us/azure/aks/cluster-autoscaler#using-the-autoscaler-profile</a:t>
+            </a:r>
+            <a:r>
+              <a:rPr lang="en-US" dirty="0"/>
+              <a:t> </a:t>
+            </a:r>
+          </a:p>
+        </p:txBody>
+      </p:sp>
     </p:spTree>
     <p:extLst>
       <p:ext uri="{BB962C8B-B14F-4D97-AF65-F5344CB8AC3E}">
-        <p14:creationId xmlns:p14="http://schemas.microsoft.com/office/powerpoint/2010/main" val="4221156484"/>
+        <p14:creationId xmlns:p14="http://schemas.microsoft.com/office/powerpoint/2010/main" val="1071288298"/>
       </p:ext>
     </p:extLst>
   </p:cSld>
@@ -4867,6 +5878,21 @@
 </file>
 
 <file path=customXml/item1.xml><?xml version="1.0" encoding="utf-8"?>
+<p:properties xmlns:p="http://schemas.microsoft.com/office/2006/metadata/properties" xmlns:xsi="http://www.w3.org/2001/XMLSchema-instance" xmlns:pc="http://schemas.microsoft.com/office/infopath/2007/PartnerControls">
+  <documentManagement/>
+</p:properties>
+</file>
+
+<file path=customXml/item2.xml><?xml version="1.0" encoding="utf-8"?>
+<?mso-contentType ?>
+<FormTemplates xmlns="http://schemas.microsoft.com/sharepoint/v3/contenttype/forms">
+  <Display>DocumentLibraryForm</Display>
+  <Edit>DocumentLibraryForm</Edit>
+  <New>DocumentLibraryForm</New>
+</FormTemplates>
+</file>
+
+<file path=customXml/item3.xml><?xml version="1.0" encoding="utf-8"?>
 <ct:contentTypeSchema xmlns:ct="http://schemas.microsoft.com/office/2006/metadata/contentType" xmlns:ma="http://schemas.microsoft.com/office/2006/metadata/properties/metaAttributes" ct:_="" ma:_="" ma:contentTypeName="Document" ma:contentTypeID="0x010100D33CF0A556F3FD4585028508D097F84A" ma:contentTypeVersion="2" ma:contentTypeDescription="Create a new document." ma:contentTypeScope="" ma:versionID="695d1d3ef65a41a737452d51a647cfec">
   <xsd:schema xmlns:xsd="http://www.w3.org/2001/XMLSchema" xmlns:xs="http://www.w3.org/2001/XMLSchema" xmlns:p="http://schemas.microsoft.com/office/2006/metadata/properties" xmlns:ns2="621f199c-98aa-40ce-ab2c-42670d93c9fa" targetNamespace="http://schemas.microsoft.com/office/2006/metadata/properties" ma:root="true" ma:fieldsID="c747dccf555a28bc16c026d049f7b246" ns2:_="">
     <xsd:import namespace="621f199c-98aa-40ce-ab2c-42670d93c9fa"/>
@@ -4998,22 +6024,24 @@
 </ct:contentTypeSchema>
 </file>
 
-<file path=customXml/item2.xml><?xml version="1.0" encoding="utf-8"?>
-<?mso-contentType ?>
-<FormTemplates xmlns="http://schemas.microsoft.com/sharepoint/v3/contenttype/forms">
-  <Display>DocumentLibraryForm</Display>
-  <Edit>DocumentLibraryForm</Edit>
-  <New>DocumentLibraryForm</New>
-</FormTemplates>
+<file path=customXml/itemProps1.xml><?xml version="1.0" encoding="utf-8"?>
+<ds:datastoreItem xmlns:ds="http://schemas.openxmlformats.org/officeDocument/2006/customXml" ds:itemID="{EB6A9703-15E2-4E3F-A343-CEF74D08A4B6}">
+  <ds:schemaRefs>
+    <ds:schemaRef ds:uri="http://schemas.microsoft.com/office/2006/metadata/properties"/>
+    <ds:schemaRef ds:uri="http://schemas.microsoft.com/office/infopath/2007/PartnerControls"/>
+  </ds:schemaRefs>
+</ds:datastoreItem>
 </file>
 
-<file path=customXml/item3.xml><?xml version="1.0" encoding="utf-8"?>
-<p:properties xmlns:p="http://schemas.microsoft.com/office/2006/metadata/properties" xmlns:xsi="http://www.w3.org/2001/XMLSchema-instance" xmlns:pc="http://schemas.microsoft.com/office/infopath/2007/PartnerControls">
-  <documentManagement/>
-</p:properties>
+<file path=customXml/itemProps2.xml><?xml version="1.0" encoding="utf-8"?>
+<ds:datastoreItem xmlns:ds="http://schemas.openxmlformats.org/officeDocument/2006/customXml" ds:itemID="{CE9BDE77-A9EF-4010-9289-49E5355D3F86}">
+  <ds:schemaRefs>
+    <ds:schemaRef ds:uri="http://schemas.microsoft.com/sharepoint/v3/contenttype/forms"/>
+  </ds:schemaRefs>
+</ds:datastoreItem>
 </file>
 
-<file path=customXml/itemProps1.xml><?xml version="1.0" encoding="utf-8"?>
+<file path=customXml/itemProps3.xml><?xml version="1.0" encoding="utf-8"?>
 <ds:datastoreItem xmlns:ds="http://schemas.openxmlformats.org/officeDocument/2006/customXml" ds:itemID="{C5387826-CAED-450A-ACF0-D0E8781AFCD5}">
   <ds:schemaRefs>
     <ds:schemaRef ds:uri="http://schemas.microsoft.com/office/2006/metadata/contentType"/>
@@ -5029,21 +6057,4 @@
     <ds:schemaRef ds:uri="http://schemas.microsoft.com/internal/obd"/>
   </ds:schemaRefs>
 </ds:datastoreItem>
-</file>
-
-<file path=customXml/itemProps2.xml><?xml version="1.0" encoding="utf-8"?>
-<ds:datastoreItem xmlns:ds="http://schemas.openxmlformats.org/officeDocument/2006/customXml" ds:itemID="{CE9BDE77-A9EF-4010-9289-49E5355D3F86}">
-  <ds:schemaRefs>
-    <ds:schemaRef ds:uri="http://schemas.microsoft.com/sharepoint/v3/contenttype/forms"/>
-  </ds:schemaRefs>
-</ds:datastoreItem>
-</file>
-
-<file path=customXml/itemProps3.xml><?xml version="1.0" encoding="utf-8"?>
-<ds:datastoreItem xmlns:ds="http://schemas.openxmlformats.org/officeDocument/2006/customXml" ds:itemID="{EB6A9703-15E2-4E3F-A343-CEF74D08A4B6}">
-  <ds:schemaRefs>
-    <ds:schemaRef ds:uri="http://schemas.microsoft.com/office/2006/metadata/properties"/>
-    <ds:schemaRef ds:uri="http://schemas.microsoft.com/office/infopath/2007/PartnerControls"/>
-  </ds:schemaRefs>
-</ds:datastoreItem>
 </file>
--- a/AzureArchitecture.pptx
+++ b/AzureArchitecture.pptx
@@ -5,24 +5,25 @@
     <p:sldMasterId id="2147483658" r:id="rId4"/>
   </p:sldMasterIdLst>
   <p:notesMasterIdLst>
-    <p:notesMasterId r:id="rId20"/>
+    <p:notesMasterId r:id="rId21"/>
   </p:notesMasterIdLst>
   <p:sldIdLst>
     <p:sldId id="256" r:id="rId5"/>
     <p:sldId id="3876" r:id="rId6"/>
     <p:sldId id="461" r:id="rId7"/>
-    <p:sldId id="3879" r:id="rId8"/>
-    <p:sldId id="3878" r:id="rId9"/>
-    <p:sldId id="465" r:id="rId10"/>
-    <p:sldId id="272" r:id="rId11"/>
-    <p:sldId id="451" r:id="rId12"/>
-    <p:sldId id="3880" r:id="rId13"/>
-    <p:sldId id="452" r:id="rId14"/>
-    <p:sldId id="3877" r:id="rId15"/>
-    <p:sldId id="3890" r:id="rId16"/>
-    <p:sldId id="3891" r:id="rId17"/>
-    <p:sldId id="453" r:id="rId18"/>
-    <p:sldId id="295" r:id="rId19"/>
+    <p:sldId id="3892" r:id="rId8"/>
+    <p:sldId id="3879" r:id="rId9"/>
+    <p:sldId id="3878" r:id="rId10"/>
+    <p:sldId id="465" r:id="rId11"/>
+    <p:sldId id="272" r:id="rId12"/>
+    <p:sldId id="451" r:id="rId13"/>
+    <p:sldId id="3880" r:id="rId14"/>
+    <p:sldId id="452" r:id="rId15"/>
+    <p:sldId id="3877" r:id="rId16"/>
+    <p:sldId id="3890" r:id="rId17"/>
+    <p:sldId id="3891" r:id="rId18"/>
+    <p:sldId id="453" r:id="rId19"/>
+    <p:sldId id="295" r:id="rId20"/>
   </p:sldIdLst>
   <p:sldSz cx="12192000" cy="6858000"/>
   <p:notesSz cx="6858000" cy="9144000"/>
@@ -129,6 +130,11 @@
             <p14:sldId id="256"/>
             <p14:sldId id="3876"/>
             <p14:sldId id="461"/>
+          </p14:sldIdLst>
+        </p14:section>
+        <p14:section name="Hosting Selection" id="{05D90FC4-CB4A-4D01-82F8-D008988AB8EE}">
+          <p14:sldIdLst>
+            <p14:sldId id="3892"/>
           </p14:sldIdLst>
         </p14:section>
         <p14:section name="Serverless" id="{AA776922-FAA0-4A04-9B47-674A5CC2AE7A}">
@@ -2893,6 +2899,231 @@
           <p:cNvPr id="2" name="Title 1">
             <a:extLst>
               <a:ext uri="{FF2B5EF4-FFF2-40B4-BE49-F238E27FC236}">
+                <a16:creationId xmlns:a16="http://schemas.microsoft.com/office/drawing/2014/main" id="{850D5886-1DF5-4AB5-A6A7-6BC67764830E}"/>
+              </a:ext>
+            </a:extLst>
+          </p:cNvPr>
+          <p:cNvSpPr>
+            <a:spLocks noGrp="1"/>
+          </p:cNvSpPr>
+          <p:nvPr>
+            <p:ph type="title"/>
+          </p:nvPr>
+        </p:nvSpPr>
+        <p:spPr/>
+        <p:txBody>
+          <a:bodyPr/>
+          <a:lstStyle/>
+          <a:p>
+            <a:r>
+              <a:rPr lang="en-US" dirty="0"/>
+              <a:t>AKS auto-scaling</a:t>
+            </a:r>
+          </a:p>
+        </p:txBody>
+      </p:sp>
+      <p:sp>
+        <p:nvSpPr>
+          <p:cNvPr id="3" name="Text Placeholder 2">
+            <a:extLst>
+              <a:ext uri="{FF2B5EF4-FFF2-40B4-BE49-F238E27FC236}">
+                <a16:creationId xmlns:a16="http://schemas.microsoft.com/office/drawing/2014/main" id="{FD1622B6-B32A-486E-BF9D-266E0E5CA0FA}"/>
+              </a:ext>
+            </a:extLst>
+          </p:cNvPr>
+          <p:cNvSpPr>
+            <a:spLocks noGrp="1"/>
+          </p:cNvSpPr>
+          <p:nvPr>
+            <p:ph type="body" sz="quarter" idx="13"/>
+          </p:nvPr>
+        </p:nvSpPr>
+        <p:spPr>
+          <a:xfrm>
+            <a:off x="301752" y="1143000"/>
+            <a:ext cx="5794248" cy="4139214"/>
+          </a:xfrm>
+        </p:spPr>
+        <p:txBody>
+          <a:bodyPr/>
+          <a:lstStyle/>
+          <a:p>
+            <a:r>
+              <a:rPr lang="en-US" dirty="0"/>
+              <a:t>Need to enable on AKS and on VMSS pool</a:t>
+            </a:r>
+          </a:p>
+          <a:p>
+            <a:r>
+              <a:rPr lang="en-US" dirty="0"/>
+              <a:t>Challenges: </a:t>
+            </a:r>
+          </a:p>
+          <a:p>
+            <a:pPr lvl="1"/>
+            <a:r>
+              <a:rPr lang="en-US" dirty="0"/>
+              <a:t>Can’t create multiple auto-scaler profiles (for app service – it’s possible)</a:t>
+            </a:r>
+          </a:p>
+          <a:p>
+            <a:pPr lvl="1"/>
+            <a:r>
+              <a:rPr lang="en-US" dirty="0"/>
+              <a:t>How to scale more than one pool – unclear</a:t>
+            </a:r>
+          </a:p>
+          <a:p>
+            <a:pPr lvl="1"/>
+            <a:r>
+              <a:rPr lang="en-US" dirty="0"/>
+              <a:t>Can’t scale by schedule (again - app service)</a:t>
+            </a:r>
+          </a:p>
+          <a:p>
+            <a:pPr lvl="1"/>
+            <a:r>
+              <a:rPr lang="en-US" dirty="0"/>
+              <a:t>Can’t scale by memory (important for memory intensive services/platforms)</a:t>
+            </a:r>
+          </a:p>
+        </p:txBody>
+      </p:sp>
+      <p:pic>
+        <p:nvPicPr>
+          <p:cNvPr id="5" name="Picture 4">
+            <a:extLst>
+              <a:ext uri="{FF2B5EF4-FFF2-40B4-BE49-F238E27FC236}">
+                <a16:creationId xmlns:a16="http://schemas.microsoft.com/office/drawing/2014/main" id="{9D659A2F-BE8F-43E8-A4D3-84E4BA9E64EB}"/>
+              </a:ext>
+            </a:extLst>
+          </p:cNvPr>
+          <p:cNvPicPr>
+            <a:picLocks noChangeAspect="1"/>
+          </p:cNvPicPr>
+          <p:nvPr/>
+        </p:nvPicPr>
+        <p:blipFill>
+          <a:blip r:embed="rId2"/>
+          <a:stretch>
+            <a:fillRect/>
+          </a:stretch>
+        </p:blipFill>
+        <p:spPr>
+          <a:xfrm>
+            <a:off x="6394465" y="1143000"/>
+            <a:ext cx="4143329" cy="3883812"/>
+          </a:xfrm>
+          <a:prstGeom prst="rect">
+            <a:avLst/>
+          </a:prstGeom>
+        </p:spPr>
+      </p:pic>
+      <p:pic>
+        <p:nvPicPr>
+          <p:cNvPr id="6" name="Picture 5">
+            <a:extLst>
+              <a:ext uri="{FF2B5EF4-FFF2-40B4-BE49-F238E27FC236}">
+                <a16:creationId xmlns:a16="http://schemas.microsoft.com/office/drawing/2014/main" id="{340DC227-B704-4F42-8895-2DF546972AC0}"/>
+              </a:ext>
+            </a:extLst>
+          </p:cNvPr>
+          <p:cNvPicPr>
+            <a:picLocks noChangeAspect="1"/>
+          </p:cNvPicPr>
+          <p:nvPr/>
+        </p:nvPicPr>
+        <p:blipFill>
+          <a:blip r:embed="rId3"/>
+          <a:stretch>
+            <a:fillRect/>
+          </a:stretch>
+        </p:blipFill>
+        <p:spPr>
+          <a:xfrm>
+            <a:off x="6394465" y="5110162"/>
+            <a:ext cx="3267075" cy="1209675"/>
+          </a:xfrm>
+          <a:prstGeom prst="rect">
+            <a:avLst/>
+          </a:prstGeom>
+        </p:spPr>
+      </p:pic>
+      <p:sp>
+        <p:nvSpPr>
+          <p:cNvPr id="7" name="Rectangle 6">
+            <a:extLst>
+              <a:ext uri="{FF2B5EF4-FFF2-40B4-BE49-F238E27FC236}">
+                <a16:creationId xmlns:a16="http://schemas.microsoft.com/office/drawing/2014/main" id="{3E8A4DF8-33EF-4E8C-9230-26FEADF57D7B}"/>
+              </a:ext>
+            </a:extLst>
+          </p:cNvPr>
+          <p:cNvSpPr/>
+          <p:nvPr/>
+        </p:nvSpPr>
+        <p:spPr>
+          <a:xfrm>
+            <a:off x="301752" y="5556072"/>
+            <a:ext cx="6096000" cy="646331"/>
+          </a:xfrm>
+          <a:prstGeom prst="rect">
+            <a:avLst/>
+          </a:prstGeom>
+        </p:spPr>
+        <p:txBody>
+          <a:bodyPr>
+            <a:spAutoFit/>
+          </a:bodyPr>
+          <a:lstStyle/>
+          <a:p>
+            <a:r>
+              <a:rPr lang="en-US" dirty="0">
+                <a:hlinkClick r:id="rId4"/>
+              </a:rPr>
+              <a:t>https://docs.microsoft.com/en-us/azure/aks/cluster-autoscaler#using-the-autoscaler-profile</a:t>
+            </a:r>
+            <a:r>
+              <a:rPr lang="en-US" dirty="0"/>
+              <a:t> </a:t>
+            </a:r>
+          </a:p>
+        </p:txBody>
+      </p:sp>
+    </p:spTree>
+    <p:extLst>
+      <p:ext uri="{BB962C8B-B14F-4D97-AF65-F5344CB8AC3E}">
+        <p14:creationId xmlns:p14="http://schemas.microsoft.com/office/powerpoint/2010/main" val="1071288298"/>
+      </p:ext>
+    </p:extLst>
+  </p:cSld>
+  <p:clrMapOvr>
+    <a:masterClrMapping/>
+  </p:clrMapOvr>
+</p:sld>
+</file>
+
+<file path=ppt/slides/slide11.xml><?xml version="1.0" encoding="utf-8"?>
+<p:sld xmlns:a="http://schemas.openxmlformats.org/drawingml/2006/main" xmlns:r="http://schemas.openxmlformats.org/officeDocument/2006/relationships" xmlns:p="http://schemas.openxmlformats.org/presentationml/2006/main" show="0">
+  <p:cSld>
+    <p:spTree>
+      <p:nvGrpSpPr>
+        <p:cNvPr id="1" name=""/>
+        <p:cNvGrpSpPr/>
+        <p:nvPr/>
+      </p:nvGrpSpPr>
+      <p:grpSpPr>
+        <a:xfrm>
+          <a:off x="0" y="0"/>
+          <a:ext cx="0" cy="0"/>
+          <a:chOff x="0" y="0"/>
+          <a:chExt cx="0" cy="0"/>
+        </a:xfrm>
+      </p:grpSpPr>
+      <p:sp>
+        <p:nvSpPr>
+          <p:cNvPr id="2" name="Title 1">
+            <a:extLst>
+              <a:ext uri="{FF2B5EF4-FFF2-40B4-BE49-F238E27FC236}">
                 <a16:creationId xmlns:a16="http://schemas.microsoft.com/office/drawing/2014/main" id="{3687AEE4-5DD3-4A78-89A1-9BFC06476D91}"/>
               </a:ext>
             </a:extLst>
@@ -3033,7 +3264,7 @@
 </p:sld>
 </file>
 
-<file path=ppt/slides/slide11.xml><?xml version="1.0" encoding="utf-8"?>
+<file path=ppt/slides/slide12.xml><?xml version="1.0" encoding="utf-8"?>
 <p:sld xmlns:a="http://schemas.openxmlformats.org/drawingml/2006/main" xmlns:r="http://schemas.openxmlformats.org/officeDocument/2006/relationships" xmlns:p="http://schemas.openxmlformats.org/presentationml/2006/main" show="0">
   <p:cSld>
     <p:spTree>
@@ -3146,7 +3377,7 @@
 </p:sld>
 </file>
 
-<file path=ppt/slides/slide12.xml><?xml version="1.0" encoding="utf-8"?>
+<file path=ppt/slides/slide13.xml><?xml version="1.0" encoding="utf-8"?>
 <p:sld xmlns:a="http://schemas.openxmlformats.org/drawingml/2006/main" xmlns:r="http://schemas.openxmlformats.org/officeDocument/2006/relationships" xmlns:p="http://schemas.openxmlformats.org/presentationml/2006/main">
   <p:cSld>
     <p:spTree>
@@ -3475,7 +3706,7 @@
 </p:sld>
 </file>
 
-<file path=ppt/slides/slide13.xml><?xml version="1.0" encoding="utf-8"?>
+<file path=ppt/slides/slide14.xml><?xml version="1.0" encoding="utf-8"?>
 <p:sld xmlns:a="http://schemas.openxmlformats.org/drawingml/2006/main" xmlns:r="http://schemas.openxmlformats.org/officeDocument/2006/relationships" xmlns:p="http://schemas.openxmlformats.org/presentationml/2006/main">
   <p:cSld>
     <p:spTree>
@@ -3861,7 +4092,7 @@
 </p:sld>
 </file>
 
-<file path=ppt/slides/slide14.xml><?xml version="1.0" encoding="utf-8"?>
+<file path=ppt/slides/slide15.xml><?xml version="1.0" encoding="utf-8"?>
 <p:sld xmlns:a="http://schemas.openxmlformats.org/drawingml/2006/main" xmlns:r="http://schemas.openxmlformats.org/officeDocument/2006/relationships" xmlns:p="http://schemas.openxmlformats.org/presentationml/2006/main">
   <p:cSld>
     <p:spTree>
@@ -4014,7 +4245,7 @@
 </p:sld>
 </file>
 
-<file path=ppt/slides/slide15.xml><?xml version="1.0" encoding="utf-8"?>
+<file path=ppt/slides/slide16.xml><?xml version="1.0" encoding="utf-8"?>
 <p:sld xmlns:a="http://schemas.openxmlformats.org/drawingml/2006/main" xmlns:r="http://schemas.openxmlformats.org/officeDocument/2006/relationships" xmlns:p="http://schemas.openxmlformats.org/presentationml/2006/main">
   <p:cSld>
     <p:spTree>
@@ -4549,7 +4780,7 @@
           <p:cNvPr id="2" name="Title 1">
             <a:extLst>
               <a:ext uri="{FF2B5EF4-FFF2-40B4-BE49-F238E27FC236}">
-                <a16:creationId xmlns:a16="http://schemas.microsoft.com/office/drawing/2014/main" id="{7A38F066-6613-4BB6-824A-D34A869D865F}"/>
+                <a16:creationId xmlns:a16="http://schemas.microsoft.com/office/drawing/2014/main" id="{05D4326B-AC84-4773-B135-F12C9076DBD9}"/>
               </a:ext>
             </a:extLst>
           </p:cNvPr>
@@ -4567,13 +4798,8 @@
           <a:p>
             <a:r>
               <a:rPr lang="en-US" dirty="0"/>
-              <a:t>Azure Functions SDK + Kubernetes + </a:t>
-            </a:r>
-            <a:r>
-              <a:rPr lang="en-US" dirty="0" err="1"/>
-              <a:t>Keda</a:t>
-            </a:r>
-            <a:endParaRPr lang="en-US" dirty="0"/>
+              <a:t>Azure Spring Cloud</a:t>
+            </a:r>
           </a:p>
         </p:txBody>
       </p:sp>
@@ -4582,7 +4808,7 @@
           <p:cNvPr id="3" name="Text Placeholder 2">
             <a:extLst>
               <a:ext uri="{FF2B5EF4-FFF2-40B4-BE49-F238E27FC236}">
-                <a16:creationId xmlns:a16="http://schemas.microsoft.com/office/drawing/2014/main" id="{95C1A1A5-219F-4E61-88E2-704A8B0B58A3}"/>
+                <a16:creationId xmlns:a16="http://schemas.microsoft.com/office/drawing/2014/main" id="{736AE197-E13E-402D-89C2-C2E41DFC9A4A}"/>
               </a:ext>
             </a:extLst>
           </p:cNvPr>
@@ -4600,53 +4826,32 @@
           <a:p>
             <a:r>
               <a:rPr lang="en-US" dirty="0"/>
-              <a:t>Host Functions App on AKS instead of Azure Functions</a:t>
-            </a:r>
-          </a:p>
-          <a:p>
-            <a:pPr lvl="1"/>
-            <a:r>
-              <a:rPr lang="en-US" dirty="0"/>
-              <a:t>Azure Functions Consumption plan - don’t give SLA on delay between event and execution.</a:t>
-            </a:r>
-          </a:p>
-          <a:p>
-            <a:pPr lvl="1"/>
-            <a:r>
-              <a:rPr lang="en-US" dirty="0"/>
-              <a:t>Azure Function App Service plan – require to allocate resources in advance and “elastic scaling” lost</a:t>
-            </a:r>
-          </a:p>
-          <a:p>
-            <a:pPr lvl="1"/>
-            <a:r>
-              <a:rPr lang="en-US" dirty="0"/>
-              <a:t>Azure Functions – cold start problem</a:t>
-            </a:r>
-          </a:p>
-          <a:p>
-            <a:pPr lvl="1"/>
-            <a:r>
-              <a:rPr lang="en-US" dirty="0"/>
-              <a:t>Azure Function Premium plan – solves cold start problem, but cost will be higher</a:t>
-            </a:r>
-          </a:p>
-          <a:p>
-            <a:pPr lvl="1"/>
-            <a:r>
-              <a:rPr lang="en-US" dirty="0"/>
-              <a:t>Functions SDK can be used but packaged as docker image and hosted on AKS. Scaled using KEDA</a:t>
-            </a:r>
-          </a:p>
-          <a:p>
+              <a:t>Azure Spring Cloud is a platform on top of AKS</a:t>
+            </a:r>
+          </a:p>
+          <a:p>
+            <a:r>
+              <a:rPr lang="en-US" dirty="0"/>
+              <a:t>All AKS internals hidden from developers/</a:t>
+            </a:r>
+            <a:r>
+              <a:rPr lang="en-US" dirty="0" err="1"/>
+              <a:t>devops</a:t>
+            </a:r>
             <a:endParaRPr lang="en-US" dirty="0"/>
+          </a:p>
+          <a:p>
+            <a:r>
+              <a:rPr lang="en-US" dirty="0"/>
+              <a:t>But developers don’t see value in “black box” that can’t be really manage. </a:t>
+            </a:r>
           </a:p>
         </p:txBody>
       </p:sp>
     </p:spTree>
     <p:extLst>
       <p:ext uri="{BB962C8B-B14F-4D97-AF65-F5344CB8AC3E}">
-        <p14:creationId xmlns:p14="http://schemas.microsoft.com/office/powerpoint/2010/main" val="1604439266"/>
+        <p14:creationId xmlns:p14="http://schemas.microsoft.com/office/powerpoint/2010/main" val="1399311404"/>
       </p:ext>
     </p:extLst>
   </p:cSld>
@@ -4678,7 +4883,7 @@
           <p:cNvPr id="2" name="Title 1">
             <a:extLst>
               <a:ext uri="{FF2B5EF4-FFF2-40B4-BE49-F238E27FC236}">
-                <a16:creationId xmlns:a16="http://schemas.microsoft.com/office/drawing/2014/main" id="{7BC30DAE-CEC5-4773-B1D5-6D545895452B}"/>
+                <a16:creationId xmlns:a16="http://schemas.microsoft.com/office/drawing/2014/main" id="{7A38F066-6613-4BB6-824A-D34A869D865F}"/>
               </a:ext>
             </a:extLst>
           </p:cNvPr>
@@ -4696,8 +4901,13 @@
           <a:p>
             <a:r>
               <a:rPr lang="en-US" dirty="0"/>
-              <a:t>Why not OPENFAAS</a:t>
-            </a:r>
+              <a:t>Azure Functions SDK + Kubernetes + </a:t>
+            </a:r>
+            <a:r>
+              <a:rPr lang="en-US" dirty="0" err="1"/>
+              <a:t>Keda</a:t>
+            </a:r>
+            <a:endParaRPr lang="en-US" dirty="0"/>
           </a:p>
         </p:txBody>
       </p:sp>
@@ -4706,7 +4916,7 @@
           <p:cNvPr id="3" name="Text Placeholder 2">
             <a:extLst>
               <a:ext uri="{FF2B5EF4-FFF2-40B4-BE49-F238E27FC236}">
-                <a16:creationId xmlns:a16="http://schemas.microsoft.com/office/drawing/2014/main" id="{EB759809-635A-46F3-91F0-758BB26AAF4E}"/>
+                <a16:creationId xmlns:a16="http://schemas.microsoft.com/office/drawing/2014/main" id="{95C1A1A5-219F-4E61-88E2-704A8B0B58A3}"/>
               </a:ext>
             </a:extLst>
           </p:cNvPr>
@@ -4724,75 +4934,42 @@
           <a:p>
             <a:r>
               <a:rPr lang="en-US" dirty="0"/>
-              <a:t>It’s really easy to deploy in a first time, but to be effective- still require learning.</a:t>
-            </a:r>
-          </a:p>
-          <a:p>
-            <a:r>
-              <a:rPr lang="en-US" dirty="0"/>
-              <a:t>Mandatory requirements to Functions Structure (port 8080, endpoint for heath) </a:t>
-            </a:r>
-            <a:r>
-              <a:rPr lang="en-US" dirty="0">
-                <a:hlinkClick r:id="rId2"/>
-              </a:rPr>
-              <a:t>https://docs.openfaas.com/reference/workloads/#common-properties</a:t>
-            </a:r>
-            <a:r>
-              <a:rPr lang="en-US" dirty="0"/>
-              <a:t> </a:t>
-            </a:r>
-          </a:p>
-          <a:p>
-            <a:r>
-              <a:rPr lang="en-US" dirty="0"/>
-              <a:t>Full ignore of Azure (AWS/GCP- at least mentioned)</a:t>
+              <a:t>Host Functions App on AKS instead of Azure Functions</a:t>
             </a:r>
           </a:p>
           <a:p>
             <a:pPr lvl="1"/>
             <a:r>
               <a:rPr lang="en-US" dirty="0"/>
-              <a:t>No support for Azure Messaging services (event hub, event grid, service bus) and limited number of Triggers </a:t>
-            </a:r>
-            <a:r>
-              <a:rPr lang="en-US" dirty="0">
-                <a:hlinkClick r:id="rId3"/>
-              </a:rPr>
-              <a:t>https://docs.openfaas.com/reference/triggers/</a:t>
-            </a:r>
-            <a:r>
-              <a:rPr lang="en-US" dirty="0"/>
-              <a:t> </a:t>
-            </a:r>
-          </a:p>
-          <a:p>
-            <a:r>
-              <a:rPr lang="en-US" dirty="0"/>
-              <a:t>No SDKs/Strong type bindings. Everything as “string”</a:t>
-            </a:r>
-          </a:p>
-          <a:p>
-            <a:r>
-              <a:rPr lang="en-US" dirty="0"/>
-              <a:t>No Support of Azure DevOps</a:t>
+              <a:t>Azure Functions Consumption plan - don’t give SLA on delay between event and execution.</a:t>
             </a:r>
           </a:p>
           <a:p>
             <a:pPr lvl="1"/>
             <a:r>
               <a:rPr lang="en-US" dirty="0"/>
-              <a:t>Scripts/CLI based CI/CD </a:t>
-            </a:r>
-            <a:r>
-              <a:rPr lang="en-US" dirty="0">
-                <a:hlinkClick r:id="rId4"/>
-              </a:rPr>
-              <a:t>https://docs.openfaas.com/reference/cicd/intro/#github</a:t>
-            </a:r>
-            <a:r>
-              <a:rPr lang="en-US" dirty="0"/>
-              <a:t> </a:t>
+              <a:t>Azure Function App Service plan – require to allocate resources in advance and “elastic scaling” lost</a:t>
+            </a:r>
+          </a:p>
+          <a:p>
+            <a:pPr lvl="1"/>
+            <a:r>
+              <a:rPr lang="en-US" dirty="0"/>
+              <a:t>Azure Functions – cold start problem</a:t>
+            </a:r>
+          </a:p>
+          <a:p>
+            <a:pPr lvl="1"/>
+            <a:r>
+              <a:rPr lang="en-US" dirty="0"/>
+              <a:t>Azure Function Premium plan – solves cold start problem, but cost will be higher</a:t>
+            </a:r>
+          </a:p>
+          <a:p>
+            <a:pPr lvl="1"/>
+            <a:r>
+              <a:rPr lang="en-US" dirty="0"/>
+              <a:t>Functions SDK can be used but packaged as docker image and hosted on AKS. Scaled using KEDA</a:t>
             </a:r>
           </a:p>
           <a:p>
@@ -4803,7 +4980,7 @@
     </p:spTree>
     <p:extLst>
       <p:ext uri="{BB962C8B-B14F-4D97-AF65-F5344CB8AC3E}">
-        <p14:creationId xmlns:p14="http://schemas.microsoft.com/office/powerpoint/2010/main" val="3993427575"/>
+        <p14:creationId xmlns:p14="http://schemas.microsoft.com/office/powerpoint/2010/main" val="1604439266"/>
       </p:ext>
     </p:extLst>
   </p:cSld>
@@ -4814,7 +4991,7 @@
 </file>
 
 <file path=ppt/slides/slide6.xml><?xml version="1.0" encoding="utf-8"?>
-<p:sld xmlns:a="http://schemas.openxmlformats.org/drawingml/2006/main" xmlns:r="http://schemas.openxmlformats.org/officeDocument/2006/relationships" xmlns:p="http://schemas.openxmlformats.org/presentationml/2006/main" show="0">
+<p:sld xmlns:a="http://schemas.openxmlformats.org/drawingml/2006/main" xmlns:r="http://schemas.openxmlformats.org/officeDocument/2006/relationships" xmlns:p="http://schemas.openxmlformats.org/presentationml/2006/main">
   <p:cSld>
     <p:spTree>
       <p:nvGrpSpPr>
@@ -4832,10 +5009,10 @@
       </p:grpSpPr>
       <p:sp>
         <p:nvSpPr>
-          <p:cNvPr id="4" name="Text Placeholder 3">
+          <p:cNvPr id="2" name="Title 1">
             <a:extLst>
               <a:ext uri="{FF2B5EF4-FFF2-40B4-BE49-F238E27FC236}">
-                <a16:creationId xmlns:a16="http://schemas.microsoft.com/office/drawing/2014/main" id="{D2B0B17F-FD01-468D-8FC3-32A9306531AD}"/>
+                <a16:creationId xmlns:a16="http://schemas.microsoft.com/office/drawing/2014/main" id="{7BC30DAE-CEC5-4773-B1D5-6D545895452B}"/>
               </a:ext>
             </a:extLst>
           </p:cNvPr>
@@ -4843,7 +5020,7 @@
             <a:spLocks noGrp="1"/>
           </p:cNvSpPr>
           <p:nvPr>
-            <p:ph type="body" sz="quarter" idx="12"/>
+            <p:ph type="title"/>
           </p:nvPr>
         </p:nvSpPr>
         <p:spPr/>
@@ -4853,15 +5030,114 @@
           <a:p>
             <a:r>
               <a:rPr lang="en-US" dirty="0"/>
-              <a:t>Scaling</a:t>
-            </a:r>
+              <a:t>Why not OPENFAAS</a:t>
+            </a:r>
+          </a:p>
+        </p:txBody>
+      </p:sp>
+      <p:sp>
+        <p:nvSpPr>
+          <p:cNvPr id="3" name="Text Placeholder 2">
+            <a:extLst>
+              <a:ext uri="{FF2B5EF4-FFF2-40B4-BE49-F238E27FC236}">
+                <a16:creationId xmlns:a16="http://schemas.microsoft.com/office/drawing/2014/main" id="{EB759809-635A-46F3-91F0-758BB26AAF4E}"/>
+              </a:ext>
+            </a:extLst>
+          </p:cNvPr>
+          <p:cNvSpPr>
+            <a:spLocks noGrp="1"/>
+          </p:cNvSpPr>
+          <p:nvPr>
+            <p:ph type="body" sz="quarter" idx="13"/>
+          </p:nvPr>
+        </p:nvSpPr>
+        <p:spPr/>
+        <p:txBody>
+          <a:bodyPr/>
+          <a:lstStyle/>
+          <a:p>
+            <a:r>
+              <a:rPr lang="en-US" dirty="0"/>
+              <a:t>It’s really easy to deploy in a first time, but to be effective- still require learning.</a:t>
+            </a:r>
+          </a:p>
+          <a:p>
+            <a:r>
+              <a:rPr lang="en-US" dirty="0"/>
+              <a:t>Mandatory requirements to Functions Structure (port 8080, endpoint for heath) </a:t>
+            </a:r>
+            <a:r>
+              <a:rPr lang="en-US" dirty="0">
+                <a:hlinkClick r:id="rId2"/>
+              </a:rPr>
+              <a:t>https://docs.openfaas.com/reference/workloads/#common-properties</a:t>
+            </a:r>
+            <a:r>
+              <a:rPr lang="en-US" dirty="0"/>
+              <a:t> </a:t>
+            </a:r>
+          </a:p>
+          <a:p>
+            <a:r>
+              <a:rPr lang="en-US" dirty="0"/>
+              <a:t>Full ignore of Azure (AWS/GCP- at least mentioned)</a:t>
+            </a:r>
+          </a:p>
+          <a:p>
+            <a:pPr lvl="1"/>
+            <a:r>
+              <a:rPr lang="en-US" dirty="0"/>
+              <a:t>No support for Azure Messaging services (event hub, event grid, service bus) and limited number of Triggers </a:t>
+            </a:r>
+            <a:r>
+              <a:rPr lang="en-US" dirty="0">
+                <a:hlinkClick r:id="rId3"/>
+              </a:rPr>
+              <a:t>https://docs.openfaas.com/reference/triggers/</a:t>
+            </a:r>
+            <a:r>
+              <a:rPr lang="en-US" dirty="0"/>
+              <a:t> </a:t>
+            </a:r>
+          </a:p>
+          <a:p>
+            <a:r>
+              <a:rPr lang="en-US" dirty="0"/>
+              <a:t>No SDKs/Strong type bindings. Everything as “string”</a:t>
+            </a:r>
+          </a:p>
+          <a:p>
+            <a:r>
+              <a:rPr lang="en-US" dirty="0"/>
+              <a:t>No Support of Azure DevOps</a:t>
+            </a:r>
+          </a:p>
+          <a:p>
+            <a:pPr lvl="1"/>
+            <a:r>
+              <a:rPr lang="en-US" dirty="0"/>
+              <a:t>Scripts/CLI based CI/CD </a:t>
+            </a:r>
+            <a:r>
+              <a:rPr lang="en-US" dirty="0">
+                <a:hlinkClick r:id="rId4"/>
+              </a:rPr>
+              <a:t>https://docs.openfaas.com/reference/cicd/intro/#github</a:t>
+            </a:r>
+            <a:r>
+              <a:rPr lang="en-US" dirty="0"/>
+              <a:t> </a:t>
+            </a:r>
+          </a:p>
+          <a:p>
+            <a:endParaRPr lang="en-US" dirty="0"/>
           </a:p>
         </p:txBody>
       </p:sp>
     </p:spTree>
     <p:extLst>
       <p:ext uri="{BB962C8B-B14F-4D97-AF65-F5344CB8AC3E}">
-        <p14:creationId xmlns:p14="http://schemas.microsoft.com/office/powerpoint/2010/main" val="3099447638"/>
+        <p14:creationId xmlns:p14="http://schemas.microsoft.com/office/powerpoint/2010/main" val="3993427575"/>
       </p:ext>
     </p:extLst>
   </p:cSld>
@@ -4890,6 +5166,64 @@
       </p:grpSpPr>
       <p:sp>
         <p:nvSpPr>
+          <p:cNvPr id="4" name="Text Placeholder 3">
+            <a:extLst>
+              <a:ext uri="{FF2B5EF4-FFF2-40B4-BE49-F238E27FC236}">
+                <a16:creationId xmlns:a16="http://schemas.microsoft.com/office/drawing/2014/main" id="{D2B0B17F-FD01-468D-8FC3-32A9306531AD}"/>
+              </a:ext>
+            </a:extLst>
+          </p:cNvPr>
+          <p:cNvSpPr>
+            <a:spLocks noGrp="1"/>
+          </p:cNvSpPr>
+          <p:nvPr>
+            <p:ph type="body" sz="quarter" idx="12"/>
+          </p:nvPr>
+        </p:nvSpPr>
+        <p:spPr/>
+        <p:txBody>
+          <a:bodyPr/>
+          <a:lstStyle/>
+          <a:p>
+            <a:r>
+              <a:rPr lang="en-US" dirty="0"/>
+              <a:t>Scaling</a:t>
+            </a:r>
+          </a:p>
+        </p:txBody>
+      </p:sp>
+    </p:spTree>
+    <p:extLst>
+      <p:ext uri="{BB962C8B-B14F-4D97-AF65-F5344CB8AC3E}">
+        <p14:creationId xmlns:p14="http://schemas.microsoft.com/office/powerpoint/2010/main" val="3099447638"/>
+      </p:ext>
+    </p:extLst>
+  </p:cSld>
+  <p:clrMapOvr>
+    <a:masterClrMapping/>
+  </p:clrMapOvr>
+</p:sld>
+</file>
+
+<file path=ppt/slides/slide8.xml><?xml version="1.0" encoding="utf-8"?>
+<p:sld xmlns:a="http://schemas.openxmlformats.org/drawingml/2006/main" xmlns:r="http://schemas.openxmlformats.org/officeDocument/2006/relationships" xmlns:p="http://schemas.openxmlformats.org/presentationml/2006/main" show="0">
+  <p:cSld>
+    <p:spTree>
+      <p:nvGrpSpPr>
+        <p:cNvPr id="1" name=""/>
+        <p:cNvGrpSpPr/>
+        <p:nvPr/>
+      </p:nvGrpSpPr>
+      <p:grpSpPr>
+        <a:xfrm>
+          <a:off x="0" y="0"/>
+          <a:ext cx="0" cy="0"/>
+          <a:chOff x="0" y="0"/>
+          <a:chExt cx="0" cy="0"/>
+        </a:xfrm>
+      </p:grpSpPr>
+      <p:sp>
+        <p:nvSpPr>
           <p:cNvPr id="2" name="Title 1">
             <a:extLst>
               <a:ext uri="{FF2B5EF4-FFF2-40B4-BE49-F238E27FC236}">
@@ -4999,7 +5333,7 @@
 </p:sld>
 </file>
 
-<file path=ppt/slides/slide8.xml><?xml version="1.0" encoding="utf-8"?>
+<file path=ppt/slides/slide9.xml><?xml version="1.0" encoding="utf-8"?>
 <p:sld xmlns:a="http://schemas.openxmlformats.org/drawingml/2006/main" xmlns:r="http://schemas.openxmlformats.org/officeDocument/2006/relationships" xmlns:p="http://schemas.openxmlformats.org/presentationml/2006/main" show="0">
   <p:cSld>
     <p:spTree>
@@ -5087,231 +5421,6 @@
     <p:extLst>
       <p:ext uri="{BB962C8B-B14F-4D97-AF65-F5344CB8AC3E}">
         <p14:creationId xmlns:p14="http://schemas.microsoft.com/office/powerpoint/2010/main" val="3686820079"/>
-      </p:ext>
-    </p:extLst>
-  </p:cSld>
-  <p:clrMapOvr>
-    <a:masterClrMapping/>
-  </p:clrMapOvr>
-</p:sld>
-</file>
-
-<file path=ppt/slides/slide9.xml><?xml version="1.0" encoding="utf-8"?>
-<p:sld xmlns:a="http://schemas.openxmlformats.org/drawingml/2006/main" xmlns:r="http://schemas.openxmlformats.org/officeDocument/2006/relationships" xmlns:p="http://schemas.openxmlformats.org/presentationml/2006/main" show="0">
-  <p:cSld>
-    <p:spTree>
-      <p:nvGrpSpPr>
-        <p:cNvPr id="1" name=""/>
-        <p:cNvGrpSpPr/>
-        <p:nvPr/>
-      </p:nvGrpSpPr>
-      <p:grpSpPr>
-        <a:xfrm>
-          <a:off x="0" y="0"/>
-          <a:ext cx="0" cy="0"/>
-          <a:chOff x="0" y="0"/>
-          <a:chExt cx="0" cy="0"/>
-        </a:xfrm>
-      </p:grpSpPr>
-      <p:sp>
-        <p:nvSpPr>
-          <p:cNvPr id="2" name="Title 1">
-            <a:extLst>
-              <a:ext uri="{FF2B5EF4-FFF2-40B4-BE49-F238E27FC236}">
-                <a16:creationId xmlns:a16="http://schemas.microsoft.com/office/drawing/2014/main" id="{850D5886-1DF5-4AB5-A6A7-6BC67764830E}"/>
-              </a:ext>
-            </a:extLst>
-          </p:cNvPr>
-          <p:cNvSpPr>
-            <a:spLocks noGrp="1"/>
-          </p:cNvSpPr>
-          <p:nvPr>
-            <p:ph type="title"/>
-          </p:nvPr>
-        </p:nvSpPr>
-        <p:spPr/>
-        <p:txBody>
-          <a:bodyPr/>
-          <a:lstStyle/>
-          <a:p>
-            <a:r>
-              <a:rPr lang="en-US" dirty="0"/>
-              <a:t>AKS auto-scaling</a:t>
-            </a:r>
-          </a:p>
-        </p:txBody>
-      </p:sp>
-      <p:sp>
-        <p:nvSpPr>
-          <p:cNvPr id="3" name="Text Placeholder 2">
-            <a:extLst>
-              <a:ext uri="{FF2B5EF4-FFF2-40B4-BE49-F238E27FC236}">
-                <a16:creationId xmlns:a16="http://schemas.microsoft.com/office/drawing/2014/main" id="{FD1622B6-B32A-486E-BF9D-266E0E5CA0FA}"/>
-              </a:ext>
-            </a:extLst>
-          </p:cNvPr>
-          <p:cNvSpPr>
-            <a:spLocks noGrp="1"/>
-          </p:cNvSpPr>
-          <p:nvPr>
-            <p:ph type="body" sz="quarter" idx="13"/>
-          </p:nvPr>
-        </p:nvSpPr>
-        <p:spPr>
-          <a:xfrm>
-            <a:off x="301752" y="1143000"/>
-            <a:ext cx="5794248" cy="4139214"/>
-          </a:xfrm>
-        </p:spPr>
-        <p:txBody>
-          <a:bodyPr/>
-          <a:lstStyle/>
-          <a:p>
-            <a:r>
-              <a:rPr lang="en-US" dirty="0"/>
-              <a:t>Need to enable on AKS and on VMSS pool</a:t>
-            </a:r>
-          </a:p>
-          <a:p>
-            <a:r>
-              <a:rPr lang="en-US" dirty="0"/>
-              <a:t>Challenges: </a:t>
-            </a:r>
-          </a:p>
-          <a:p>
-            <a:pPr lvl="1"/>
-            <a:r>
-              <a:rPr lang="en-US" dirty="0"/>
-              <a:t>Can’t create multiple auto-scaler profiles (for app service – it’s possible)</a:t>
-            </a:r>
-          </a:p>
-          <a:p>
-            <a:pPr lvl="1"/>
-            <a:r>
-              <a:rPr lang="en-US" dirty="0"/>
-              <a:t>How to scale more than one pool – unclear</a:t>
-            </a:r>
-          </a:p>
-          <a:p>
-            <a:pPr lvl="1"/>
-            <a:r>
-              <a:rPr lang="en-US" dirty="0"/>
-              <a:t>Can’t scale by schedule (again - app service)</a:t>
-            </a:r>
-          </a:p>
-          <a:p>
-            <a:pPr lvl="1"/>
-            <a:r>
-              <a:rPr lang="en-US" dirty="0"/>
-              <a:t>Can’t scale by memory (important for memory intensive services/platforms)</a:t>
-            </a:r>
-          </a:p>
-        </p:txBody>
-      </p:sp>
-      <p:pic>
-        <p:nvPicPr>
-          <p:cNvPr id="5" name="Picture 4">
-            <a:extLst>
-              <a:ext uri="{FF2B5EF4-FFF2-40B4-BE49-F238E27FC236}">
-                <a16:creationId xmlns:a16="http://schemas.microsoft.com/office/drawing/2014/main" id="{9D659A2F-BE8F-43E8-A4D3-84E4BA9E64EB}"/>
-              </a:ext>
-            </a:extLst>
-          </p:cNvPr>
-          <p:cNvPicPr>
-            <a:picLocks noChangeAspect="1"/>
-          </p:cNvPicPr>
-          <p:nvPr/>
-        </p:nvPicPr>
-        <p:blipFill>
-          <a:blip r:embed="rId2"/>
-          <a:stretch>
-            <a:fillRect/>
-          </a:stretch>
-        </p:blipFill>
-        <p:spPr>
-          <a:xfrm>
-            <a:off x="6394465" y="1143000"/>
-            <a:ext cx="4143329" cy="3883812"/>
-          </a:xfrm>
-          <a:prstGeom prst="rect">
-            <a:avLst/>
-          </a:prstGeom>
-        </p:spPr>
-      </p:pic>
-      <p:pic>
-        <p:nvPicPr>
-          <p:cNvPr id="6" name="Picture 5">
-            <a:extLst>
-              <a:ext uri="{FF2B5EF4-FFF2-40B4-BE49-F238E27FC236}">
-                <a16:creationId xmlns:a16="http://schemas.microsoft.com/office/drawing/2014/main" id="{340DC227-B704-4F42-8895-2DF546972AC0}"/>
-              </a:ext>
-            </a:extLst>
-          </p:cNvPr>
-          <p:cNvPicPr>
-            <a:picLocks noChangeAspect="1"/>
-          </p:cNvPicPr>
-          <p:nvPr/>
-        </p:nvPicPr>
-        <p:blipFill>
-          <a:blip r:embed="rId3"/>
-          <a:stretch>
-            <a:fillRect/>
-          </a:stretch>
-        </p:blipFill>
-        <p:spPr>
-          <a:xfrm>
-            <a:off x="6394465" y="5110162"/>
-            <a:ext cx="3267075" cy="1209675"/>
-          </a:xfrm>
-          <a:prstGeom prst="rect">
-            <a:avLst/>
-          </a:prstGeom>
-        </p:spPr>
-      </p:pic>
-      <p:sp>
-        <p:nvSpPr>
-          <p:cNvPr id="7" name="Rectangle 6">
-            <a:extLst>
-              <a:ext uri="{FF2B5EF4-FFF2-40B4-BE49-F238E27FC236}">
-                <a16:creationId xmlns:a16="http://schemas.microsoft.com/office/drawing/2014/main" id="{3E8A4DF8-33EF-4E8C-9230-26FEADF57D7B}"/>
-              </a:ext>
-            </a:extLst>
-          </p:cNvPr>
-          <p:cNvSpPr/>
-          <p:nvPr/>
-        </p:nvSpPr>
-        <p:spPr>
-          <a:xfrm>
-            <a:off x="301752" y="5556072"/>
-            <a:ext cx="6096000" cy="646331"/>
-          </a:xfrm>
-          <a:prstGeom prst="rect">
-            <a:avLst/>
-          </a:prstGeom>
-        </p:spPr>
-        <p:txBody>
-          <a:bodyPr>
-            <a:spAutoFit/>
-          </a:bodyPr>
-          <a:lstStyle/>
-          <a:p>
-            <a:r>
-              <a:rPr lang="en-US" dirty="0">
-                <a:hlinkClick r:id="rId4"/>
-              </a:rPr>
-              <a:t>https://docs.microsoft.com/en-us/azure/aks/cluster-autoscaler#using-the-autoscaler-profile</a:t>
-            </a:r>
-            <a:r>
-              <a:rPr lang="en-US" dirty="0"/>
-              <a:t> </a:t>
-            </a:r>
-          </a:p>
-        </p:txBody>
-      </p:sp>
-    </p:spTree>
-    <p:extLst>
-      <p:ext uri="{BB962C8B-B14F-4D97-AF65-F5344CB8AC3E}">
-        <p14:creationId xmlns:p14="http://schemas.microsoft.com/office/powerpoint/2010/main" val="1071288298"/>
       </p:ext>
     </p:extLst>
   </p:cSld>
@@ -5878,21 +5987,6 @@
 </file>
 
 <file path=customXml/item1.xml><?xml version="1.0" encoding="utf-8"?>
-<p:properties xmlns:p="http://schemas.microsoft.com/office/2006/metadata/properties" xmlns:xsi="http://www.w3.org/2001/XMLSchema-instance" xmlns:pc="http://schemas.microsoft.com/office/infopath/2007/PartnerControls">
-  <documentManagement/>
-</p:properties>
-</file>
-
-<file path=customXml/item2.xml><?xml version="1.0" encoding="utf-8"?>
-<?mso-contentType ?>
-<FormTemplates xmlns="http://schemas.microsoft.com/sharepoint/v3/contenttype/forms">
-  <Display>DocumentLibraryForm</Display>
-  <Edit>DocumentLibraryForm</Edit>
-  <New>DocumentLibraryForm</New>
-</FormTemplates>
-</file>
-
-<file path=customXml/item3.xml><?xml version="1.0" encoding="utf-8"?>
 <ct:contentTypeSchema xmlns:ct="http://schemas.microsoft.com/office/2006/metadata/contentType" xmlns:ma="http://schemas.microsoft.com/office/2006/metadata/properties/metaAttributes" ct:_="" ma:_="" ma:contentTypeName="Document" ma:contentTypeID="0x010100D33CF0A556F3FD4585028508D097F84A" ma:contentTypeVersion="2" ma:contentTypeDescription="Create a new document." ma:contentTypeScope="" ma:versionID="695d1d3ef65a41a737452d51a647cfec">
   <xsd:schema xmlns:xsd="http://www.w3.org/2001/XMLSchema" xmlns:xs="http://www.w3.org/2001/XMLSchema" xmlns:p="http://schemas.microsoft.com/office/2006/metadata/properties" xmlns:ns2="621f199c-98aa-40ce-ab2c-42670d93c9fa" targetNamespace="http://schemas.microsoft.com/office/2006/metadata/properties" ma:root="true" ma:fieldsID="c747dccf555a28bc16c026d049f7b246" ns2:_="">
     <xsd:import namespace="621f199c-98aa-40ce-ab2c-42670d93c9fa"/>
@@ -6024,24 +6118,22 @@
 </ct:contentTypeSchema>
 </file>
 
-<file path=customXml/itemProps1.xml><?xml version="1.0" encoding="utf-8"?>
-<ds:datastoreItem xmlns:ds="http://schemas.openxmlformats.org/officeDocument/2006/customXml" ds:itemID="{EB6A9703-15E2-4E3F-A343-CEF74D08A4B6}">
-  <ds:schemaRefs>
-    <ds:schemaRef ds:uri="http://schemas.microsoft.com/office/2006/metadata/properties"/>
-    <ds:schemaRef ds:uri="http://schemas.microsoft.com/office/infopath/2007/PartnerControls"/>
-  </ds:schemaRefs>
-</ds:datastoreItem>
+<file path=customXml/item2.xml><?xml version="1.0" encoding="utf-8"?>
+<?mso-contentType ?>
+<FormTemplates xmlns="http://schemas.microsoft.com/sharepoint/v3/contenttype/forms">
+  <Display>DocumentLibraryForm</Display>
+  <Edit>DocumentLibraryForm</Edit>
+  <New>DocumentLibraryForm</New>
+</FormTemplates>
 </file>
 
-<file path=customXml/itemProps2.xml><?xml version="1.0" encoding="utf-8"?>
-<ds:datastoreItem xmlns:ds="http://schemas.openxmlformats.org/officeDocument/2006/customXml" ds:itemID="{CE9BDE77-A9EF-4010-9289-49E5355D3F86}">
-  <ds:schemaRefs>
-    <ds:schemaRef ds:uri="http://schemas.microsoft.com/sharepoint/v3/contenttype/forms"/>
-  </ds:schemaRefs>
-</ds:datastoreItem>
+<file path=customXml/item3.xml><?xml version="1.0" encoding="utf-8"?>
+<p:properties xmlns:p="http://schemas.microsoft.com/office/2006/metadata/properties" xmlns:xsi="http://www.w3.org/2001/XMLSchema-instance" xmlns:pc="http://schemas.microsoft.com/office/infopath/2007/PartnerControls">
+  <documentManagement/>
+</p:properties>
 </file>
 
-<file path=customXml/itemProps3.xml><?xml version="1.0" encoding="utf-8"?>
+<file path=customXml/itemProps1.xml><?xml version="1.0" encoding="utf-8"?>
 <ds:datastoreItem xmlns:ds="http://schemas.openxmlformats.org/officeDocument/2006/customXml" ds:itemID="{C5387826-CAED-450A-ACF0-D0E8781AFCD5}">
   <ds:schemaRefs>
     <ds:schemaRef ds:uri="http://schemas.microsoft.com/office/2006/metadata/contentType"/>
@@ -6057,4 +6149,21 @@
     <ds:schemaRef ds:uri="http://schemas.microsoft.com/internal/obd"/>
   </ds:schemaRefs>
 </ds:datastoreItem>
+</file>
+
+<file path=customXml/itemProps2.xml><?xml version="1.0" encoding="utf-8"?>
+<ds:datastoreItem xmlns:ds="http://schemas.openxmlformats.org/officeDocument/2006/customXml" ds:itemID="{CE9BDE77-A9EF-4010-9289-49E5355D3F86}">
+  <ds:schemaRefs>
+    <ds:schemaRef ds:uri="http://schemas.microsoft.com/sharepoint/v3/contenttype/forms"/>
+  </ds:schemaRefs>
+</ds:datastoreItem>
+</file>
+
+<file path=customXml/itemProps3.xml><?xml version="1.0" encoding="utf-8"?>
+<ds:datastoreItem xmlns:ds="http://schemas.openxmlformats.org/officeDocument/2006/customXml" ds:itemID="{EB6A9703-15E2-4E3F-A343-CEF74D08A4B6}">
+  <ds:schemaRefs>
+    <ds:schemaRef ds:uri="http://schemas.microsoft.com/office/2006/metadata/properties"/>
+    <ds:schemaRef ds:uri="http://schemas.microsoft.com/office/infopath/2007/PartnerControls"/>
+  </ds:schemaRefs>
+</ds:datastoreItem>
 </file>
--- a/AzureArchitecture.pptx
+++ b/AzureArchitecture.pptx
@@ -5,7 +5,7 @@
     <p:sldMasterId id="2147483658" r:id="rId4"/>
   </p:sldMasterIdLst>
   <p:notesMasterIdLst>
-    <p:notesMasterId r:id="rId21"/>
+    <p:notesMasterId r:id="rId22"/>
   </p:notesMasterIdLst>
   <p:sldIdLst>
     <p:sldId id="256" r:id="rId5"/>
@@ -18,12 +18,13 @@
     <p:sldId id="272" r:id="rId12"/>
     <p:sldId id="451" r:id="rId13"/>
     <p:sldId id="3880" r:id="rId14"/>
-    <p:sldId id="452" r:id="rId15"/>
-    <p:sldId id="3877" r:id="rId16"/>
-    <p:sldId id="3890" r:id="rId17"/>
-    <p:sldId id="3891" r:id="rId18"/>
-    <p:sldId id="453" r:id="rId19"/>
-    <p:sldId id="295" r:id="rId20"/>
+    <p:sldId id="3893" r:id="rId15"/>
+    <p:sldId id="452" r:id="rId16"/>
+    <p:sldId id="3877" r:id="rId17"/>
+    <p:sldId id="3890" r:id="rId18"/>
+    <p:sldId id="3891" r:id="rId19"/>
+    <p:sldId id="453" r:id="rId20"/>
+    <p:sldId id="295" r:id="rId21"/>
   </p:sldIdLst>
   <p:sldSz cx="12192000" cy="6858000"/>
   <p:notesSz cx="6858000" cy="9144000"/>
@@ -149,6 +150,7 @@
             <p14:sldId id="272"/>
             <p14:sldId id="451"/>
             <p14:sldId id="3880"/>
+            <p14:sldId id="3893"/>
             <p14:sldId id="452"/>
             <p14:sldId id="3877"/>
             <p14:sldId id="3890"/>
@@ -3124,6 +3126,355 @@
           <p:cNvPr id="2" name="Title 1">
             <a:extLst>
               <a:ext uri="{FF2B5EF4-FFF2-40B4-BE49-F238E27FC236}">
+                <a16:creationId xmlns:a16="http://schemas.microsoft.com/office/drawing/2014/main" id="{52B2FE5D-68B1-47BD-B6F0-094725D808B7}"/>
+              </a:ext>
+            </a:extLst>
+          </p:cNvPr>
+          <p:cNvSpPr>
+            <a:spLocks noGrp="1"/>
+          </p:cNvSpPr>
+          <p:nvPr>
+            <p:ph type="title"/>
+          </p:nvPr>
+        </p:nvSpPr>
+        <p:spPr/>
+        <p:txBody>
+          <a:bodyPr/>
+          <a:lstStyle/>
+          <a:p>
+            <a:r>
+              <a:rPr lang="en-US" dirty="0"/>
+              <a:t>POD Autoscaling</a:t>
+            </a:r>
+          </a:p>
+        </p:txBody>
+      </p:sp>
+      <p:sp>
+        <p:nvSpPr>
+          <p:cNvPr id="3" name="Text Placeholder 2">
+            <a:extLst>
+              <a:ext uri="{FF2B5EF4-FFF2-40B4-BE49-F238E27FC236}">
+                <a16:creationId xmlns:a16="http://schemas.microsoft.com/office/drawing/2014/main" id="{B5A9F4CA-A3ED-4876-BAF8-340DC5CA18BD}"/>
+              </a:ext>
+            </a:extLst>
+          </p:cNvPr>
+          <p:cNvSpPr>
+            <a:spLocks noGrp="1"/>
+          </p:cNvSpPr>
+          <p:nvPr>
+            <p:ph type="body" sz="quarter" idx="13"/>
+          </p:nvPr>
+        </p:nvSpPr>
+        <p:spPr>
+          <a:xfrm>
+            <a:off x="301752" y="1143000"/>
+            <a:ext cx="5519928" cy="4956048"/>
+          </a:xfrm>
+        </p:spPr>
+        <p:txBody>
+          <a:bodyPr>
+            <a:normAutofit fontScale="85000" lnSpcReduction="10000"/>
+          </a:bodyPr>
+          <a:lstStyle/>
+          <a:p>
+            <a:pPr marL="6350" marR="488950" indent="-6350">
+              <a:lnSpc>
+                <a:spcPct val="108000"/>
+              </a:lnSpc>
+              <a:spcBef>
+                <a:spcPts val="0"/>
+              </a:spcBef>
+              <a:spcAft>
+                <a:spcPts val="160"/>
+              </a:spcAft>
+            </a:pPr>
+            <a:r>
+              <a:rPr lang="en-US" sz="1800" dirty="0">
+                <a:solidFill>
+                  <a:srgbClr val="000000"/>
+                </a:solidFill>
+                <a:effectLst/>
+                <a:latin typeface="Calibri" panose="020F0502020204030204" pitchFamily="34" charset="0"/>
+                <a:ea typeface="Calibri" panose="020F0502020204030204" pitchFamily="34" charset="0"/>
+              </a:rPr>
+              <a:t>There are 2 types of applications on AKS: with HTTP activation and Message-base activation. Both types will use limits </a:t>
+            </a:r>
+            <a:r>
+              <a:rPr lang="en-US" sz="1800" u="sng" dirty="0">
+                <a:solidFill>
+                  <a:srgbClr val="000000"/>
+                </a:solidFill>
+                <a:effectLst/>
+                <a:latin typeface="Calibri" panose="020F0502020204030204" pitchFamily="34" charset="0"/>
+                <a:ea typeface="Calibri" panose="020F0502020204030204" pitchFamily="34" charset="0"/>
+                <a:hlinkClick r:id="rId2"/>
+              </a:rPr>
+              <a:t>https://kubernetes.io/docs/concepts/configuration/manage-resources-containers/</a:t>
+            </a:r>
+            <a:r>
+              <a:rPr lang="en-US" sz="1800" dirty="0">
+                <a:solidFill>
+                  <a:srgbClr val="000000"/>
+                </a:solidFill>
+                <a:effectLst/>
+                <a:latin typeface="Calibri" panose="020F0502020204030204" pitchFamily="34" charset="0"/>
+                <a:ea typeface="Calibri" panose="020F0502020204030204" pitchFamily="34" charset="0"/>
+              </a:rPr>
+              <a:t> </a:t>
+            </a:r>
+            <a:r>
+              <a:rPr lang="en-US" sz="1800" u="sng" dirty="0">
+                <a:solidFill>
+                  <a:srgbClr val="000000"/>
+                </a:solidFill>
+                <a:effectLst/>
+                <a:latin typeface="Calibri" panose="020F0502020204030204" pitchFamily="34" charset="0"/>
+                <a:ea typeface="Calibri" panose="020F0502020204030204" pitchFamily="34" charset="0"/>
+                <a:hlinkClick r:id="rId3"/>
+              </a:rPr>
+              <a:t>https://kubernetes.io/docs/concepts/policy/limit-range/</a:t>
+            </a:r>
+            <a:endParaRPr lang="en-US" sz="1800" dirty="0">
+              <a:solidFill>
+                <a:srgbClr val="000000"/>
+              </a:solidFill>
+              <a:effectLst/>
+              <a:latin typeface="Calibri" panose="020F0502020204030204" pitchFamily="34" charset="0"/>
+              <a:ea typeface="Calibri" panose="020F0502020204030204" pitchFamily="34" charset="0"/>
+            </a:endParaRPr>
+          </a:p>
+          <a:p>
+            <a:pPr marL="6350" marR="488950" indent="-6350">
+              <a:lnSpc>
+                <a:spcPct val="108000"/>
+              </a:lnSpc>
+              <a:spcBef>
+                <a:spcPts val="0"/>
+              </a:spcBef>
+              <a:spcAft>
+                <a:spcPts val="160"/>
+              </a:spcAft>
+            </a:pPr>
+            <a:r>
+              <a:rPr lang="en-US" sz="1800" dirty="0">
+                <a:solidFill>
+                  <a:srgbClr val="000000"/>
+                </a:solidFill>
+                <a:effectLst/>
+                <a:latin typeface="Calibri" panose="020F0502020204030204" pitchFamily="34" charset="0"/>
+                <a:ea typeface="Calibri" panose="020F0502020204030204" pitchFamily="34" charset="0"/>
+              </a:rPr>
+              <a:t> </a:t>
+            </a:r>
+          </a:p>
+          <a:p>
+            <a:pPr marL="342900" marR="488950" lvl="0" indent="-342900">
+              <a:lnSpc>
+                <a:spcPct val="108000"/>
+              </a:lnSpc>
+              <a:spcBef>
+                <a:spcPts val="0"/>
+              </a:spcBef>
+              <a:spcAft>
+                <a:spcPts val="0"/>
+              </a:spcAft>
+              <a:buFont typeface="Symbol" panose="05050102010706020507" pitchFamily="18" charset="2"/>
+              <a:buChar char=""/>
+            </a:pPr>
+            <a:r>
+              <a:rPr lang="en-US" sz="1800" dirty="0">
+                <a:solidFill>
+                  <a:srgbClr val="000000"/>
+                </a:solidFill>
+                <a:effectLst/>
+                <a:latin typeface="Calibri" panose="020F0502020204030204" pitchFamily="34" charset="0"/>
+                <a:ea typeface="Calibri" panose="020F0502020204030204" pitchFamily="34" charset="0"/>
+              </a:rPr>
+              <a:t>For Http Activation- will be used CPU based auto-scaling with limits on Deployment level</a:t>
+            </a:r>
+          </a:p>
+          <a:p>
+            <a:pPr marL="342900" marR="488950" lvl="0" indent="-342900">
+              <a:lnSpc>
+                <a:spcPct val="108000"/>
+              </a:lnSpc>
+              <a:spcBef>
+                <a:spcPts val="0"/>
+              </a:spcBef>
+              <a:spcAft>
+                <a:spcPts val="160"/>
+              </a:spcAft>
+              <a:buFont typeface="Symbol" panose="05050102010706020507" pitchFamily="18" charset="2"/>
+              <a:buChar char=""/>
+            </a:pPr>
+            <a:r>
+              <a:rPr lang="en-US" sz="1800" dirty="0">
+                <a:solidFill>
+                  <a:srgbClr val="000000"/>
+                </a:solidFill>
+                <a:effectLst/>
+                <a:latin typeface="Calibri" panose="020F0502020204030204" pitchFamily="34" charset="0"/>
+                <a:ea typeface="Calibri" panose="020F0502020204030204" pitchFamily="34" charset="0"/>
+              </a:rPr>
+              <a:t>For Message base activation- will be used KEDA (Kubernetes Event-driven Autoscaling) </a:t>
+            </a:r>
+            <a:r>
+              <a:rPr lang="en-US" sz="1800" u="sng" dirty="0">
+                <a:solidFill>
+                  <a:srgbClr val="000000"/>
+                </a:solidFill>
+                <a:effectLst/>
+                <a:latin typeface="Calibri" panose="020F0502020204030204" pitchFamily="34" charset="0"/>
+                <a:ea typeface="Calibri" panose="020F0502020204030204" pitchFamily="34" charset="0"/>
+                <a:hlinkClick r:id="rId4"/>
+              </a:rPr>
+              <a:t>https://keda.sh/docs/1.4/scalers/azure-service-bus/</a:t>
+            </a:r>
+            <a:endParaRPr lang="en-US" sz="1800" dirty="0">
+              <a:solidFill>
+                <a:srgbClr val="000000"/>
+              </a:solidFill>
+              <a:effectLst/>
+              <a:latin typeface="Calibri" panose="020F0502020204030204" pitchFamily="34" charset="0"/>
+              <a:ea typeface="Calibri" panose="020F0502020204030204" pitchFamily="34" charset="0"/>
+            </a:endParaRPr>
+          </a:p>
+          <a:p>
+            <a:pPr marL="6350" marR="488950" indent="-6350">
+              <a:lnSpc>
+                <a:spcPct val="108000"/>
+              </a:lnSpc>
+              <a:spcBef>
+                <a:spcPts val="0"/>
+              </a:spcBef>
+              <a:spcAft>
+                <a:spcPts val="160"/>
+              </a:spcAft>
+            </a:pPr>
+            <a:r>
+              <a:rPr lang="en-US" sz="1800" dirty="0">
+                <a:solidFill>
+                  <a:srgbClr val="000000"/>
+                </a:solidFill>
+                <a:effectLst/>
+                <a:latin typeface="Calibri" panose="020F0502020204030204" pitchFamily="34" charset="0"/>
+                <a:ea typeface="Calibri" panose="020F0502020204030204" pitchFamily="34" charset="0"/>
+              </a:rPr>
+              <a:t>Both types will be scaled utilizing Horizontal POD auto-scaler (HPA) </a:t>
+            </a:r>
+            <a:r>
+              <a:rPr lang="en-US" sz="1800" u="sng" dirty="0">
+                <a:solidFill>
+                  <a:srgbClr val="000000"/>
+                </a:solidFill>
+                <a:effectLst/>
+                <a:latin typeface="Calibri" panose="020F0502020204030204" pitchFamily="34" charset="0"/>
+                <a:ea typeface="Calibri" panose="020F0502020204030204" pitchFamily="34" charset="0"/>
+                <a:hlinkClick r:id="rId5"/>
+              </a:rPr>
+              <a:t>https://kubernetes.io/docs/tasks/run-application/horizontal-pod-autoscale/</a:t>
+            </a:r>
+            <a:endParaRPr lang="en-US" sz="1800" dirty="0">
+              <a:solidFill>
+                <a:srgbClr val="000000"/>
+              </a:solidFill>
+              <a:effectLst/>
+              <a:latin typeface="Calibri" panose="020F0502020204030204" pitchFamily="34" charset="0"/>
+              <a:ea typeface="Calibri" panose="020F0502020204030204" pitchFamily="34" charset="0"/>
+            </a:endParaRPr>
+          </a:p>
+          <a:p>
+            <a:pPr marL="6350" marR="488950" indent="-6350">
+              <a:lnSpc>
+                <a:spcPct val="108000"/>
+              </a:lnSpc>
+              <a:spcBef>
+                <a:spcPts val="0"/>
+              </a:spcBef>
+              <a:spcAft>
+                <a:spcPts val="160"/>
+              </a:spcAft>
+            </a:pPr>
+            <a:r>
+              <a:rPr lang="en-US" sz="1800" dirty="0">
+                <a:solidFill>
+                  <a:srgbClr val="000000"/>
+                </a:solidFill>
+                <a:effectLst/>
+                <a:latin typeface="Calibri" panose="020F0502020204030204" pitchFamily="34" charset="0"/>
+                <a:ea typeface="Calibri" panose="020F0502020204030204" pitchFamily="34" charset="0"/>
+              </a:rPr>
+              <a:t>During Performance testing will be identified scaling metric thresholds (for example 70% CPU or queue length) and limits (for example between 3 and 10 PODs). </a:t>
+            </a:r>
+          </a:p>
+          <a:p>
+            <a:endParaRPr lang="en-US" dirty="0"/>
+          </a:p>
+        </p:txBody>
+      </p:sp>
+      <p:pic>
+        <p:nvPicPr>
+          <p:cNvPr id="4" name="Picture 3">
+            <a:extLst>
+              <a:ext uri="{FF2B5EF4-FFF2-40B4-BE49-F238E27FC236}">
+                <a16:creationId xmlns:a16="http://schemas.microsoft.com/office/drawing/2014/main" id="{63C041B9-87D1-406B-BBA1-2D07072B3FDE}"/>
+              </a:ext>
+            </a:extLst>
+          </p:cNvPr>
+          <p:cNvPicPr/>
+          <p:nvPr/>
+        </p:nvPicPr>
+        <p:blipFill>
+          <a:blip r:embed="rId6"/>
+          <a:stretch>
+            <a:fillRect/>
+          </a:stretch>
+        </p:blipFill>
+        <p:spPr>
+          <a:xfrm>
+            <a:off x="6370323" y="1142999"/>
+            <a:ext cx="5027019" cy="4956047"/>
+          </a:xfrm>
+          <a:prstGeom prst="rect">
+            <a:avLst/>
+          </a:prstGeom>
+        </p:spPr>
+      </p:pic>
+    </p:spTree>
+    <p:extLst>
+      <p:ext uri="{BB962C8B-B14F-4D97-AF65-F5344CB8AC3E}">
+        <p14:creationId xmlns:p14="http://schemas.microsoft.com/office/powerpoint/2010/main" val="1581555627"/>
+      </p:ext>
+    </p:extLst>
+  </p:cSld>
+  <p:clrMapOvr>
+    <a:masterClrMapping/>
+  </p:clrMapOvr>
+</p:sld>
+</file>
+
+<file path=ppt/slides/slide12.xml><?xml version="1.0" encoding="utf-8"?>
+<p:sld xmlns:a="http://schemas.openxmlformats.org/drawingml/2006/main" xmlns:r="http://schemas.openxmlformats.org/officeDocument/2006/relationships" xmlns:p="http://schemas.openxmlformats.org/presentationml/2006/main" show="0">
+  <p:cSld>
+    <p:spTree>
+      <p:nvGrpSpPr>
+        <p:cNvPr id="1" name=""/>
+        <p:cNvGrpSpPr/>
+        <p:nvPr/>
+      </p:nvGrpSpPr>
+      <p:grpSpPr>
+        <a:xfrm>
+          <a:off x="0" y="0"/>
+          <a:ext cx="0" cy="0"/>
+          <a:chOff x="0" y="0"/>
+          <a:chExt cx="0" cy="0"/>
+        </a:xfrm>
+      </p:grpSpPr>
+      <p:sp>
+        <p:nvSpPr>
+          <p:cNvPr id="2" name="Title 1">
+            <a:extLst>
+              <a:ext uri="{FF2B5EF4-FFF2-40B4-BE49-F238E27FC236}">
                 <a16:creationId xmlns:a16="http://schemas.microsoft.com/office/drawing/2014/main" id="{3687AEE4-5DD3-4A78-89A1-9BFC06476D91}"/>
               </a:ext>
             </a:extLst>
@@ -3264,7 +3615,7 @@
 </p:sld>
 </file>
 
-<file path=ppt/slides/slide12.xml><?xml version="1.0" encoding="utf-8"?>
+<file path=ppt/slides/slide13.xml><?xml version="1.0" encoding="utf-8"?>
 <p:sld xmlns:a="http://schemas.openxmlformats.org/drawingml/2006/main" xmlns:r="http://schemas.openxmlformats.org/officeDocument/2006/relationships" xmlns:p="http://schemas.openxmlformats.org/presentationml/2006/main" show="0">
   <p:cSld>
     <p:spTree>
@@ -3377,7 +3728,7 @@
 </p:sld>
 </file>
 
-<file path=ppt/slides/slide13.xml><?xml version="1.0" encoding="utf-8"?>
+<file path=ppt/slides/slide14.xml><?xml version="1.0" encoding="utf-8"?>
 <p:sld xmlns:a="http://schemas.openxmlformats.org/drawingml/2006/main" xmlns:r="http://schemas.openxmlformats.org/officeDocument/2006/relationships" xmlns:p="http://schemas.openxmlformats.org/presentationml/2006/main">
   <p:cSld>
     <p:spTree>
@@ -3706,7 +4057,7 @@
 </p:sld>
 </file>
 
-<file path=ppt/slides/slide14.xml><?xml version="1.0" encoding="utf-8"?>
+<file path=ppt/slides/slide15.xml><?xml version="1.0" encoding="utf-8"?>
 <p:sld xmlns:a="http://schemas.openxmlformats.org/drawingml/2006/main" xmlns:r="http://schemas.openxmlformats.org/officeDocument/2006/relationships" xmlns:p="http://schemas.openxmlformats.org/presentationml/2006/main">
   <p:cSld>
     <p:spTree>
@@ -4092,7 +4443,7 @@
 </p:sld>
 </file>
 
-<file path=ppt/slides/slide15.xml><?xml version="1.0" encoding="utf-8"?>
+<file path=ppt/slides/slide16.xml><?xml version="1.0" encoding="utf-8"?>
 <p:sld xmlns:a="http://schemas.openxmlformats.org/drawingml/2006/main" xmlns:r="http://schemas.openxmlformats.org/officeDocument/2006/relationships" xmlns:p="http://schemas.openxmlformats.org/presentationml/2006/main">
   <p:cSld>
     <p:spTree>
@@ -4245,7 +4596,7 @@
 </p:sld>
 </file>
 
-<file path=ppt/slides/slide16.xml><?xml version="1.0" encoding="utf-8"?>
+<file path=ppt/slides/slide17.xml><?xml version="1.0" encoding="utf-8"?>
 <p:sld xmlns:a="http://schemas.openxmlformats.org/drawingml/2006/main" xmlns:r="http://schemas.openxmlformats.org/officeDocument/2006/relationships" xmlns:p="http://schemas.openxmlformats.org/presentationml/2006/main">
   <p:cSld>
     <p:spTree>
@@ -5987,6 +6338,21 @@
 </file>
 
 <file path=customXml/item1.xml><?xml version="1.0" encoding="utf-8"?>
+<p:properties xmlns:p="http://schemas.microsoft.com/office/2006/metadata/properties" xmlns:xsi="http://www.w3.org/2001/XMLSchema-instance" xmlns:pc="http://schemas.microsoft.com/office/infopath/2007/PartnerControls">
+  <documentManagement/>
+</p:properties>
+</file>
+
+<file path=customXml/item2.xml><?xml version="1.0" encoding="utf-8"?>
+<?mso-contentType ?>
+<FormTemplates xmlns="http://schemas.microsoft.com/sharepoint/v3/contenttype/forms">
+  <Display>DocumentLibraryForm</Display>
+  <Edit>DocumentLibraryForm</Edit>
+  <New>DocumentLibraryForm</New>
+</FormTemplates>
+</file>
+
+<file path=customXml/item3.xml><?xml version="1.0" encoding="utf-8"?>
 <ct:contentTypeSchema xmlns:ct="http://schemas.microsoft.com/office/2006/metadata/contentType" xmlns:ma="http://schemas.microsoft.com/office/2006/metadata/properties/metaAttributes" ct:_="" ma:_="" ma:contentTypeName="Document" ma:contentTypeID="0x010100D33CF0A556F3FD4585028508D097F84A" ma:contentTypeVersion="2" ma:contentTypeDescription="Create a new document." ma:contentTypeScope="" ma:versionID="695d1d3ef65a41a737452d51a647cfec">
   <xsd:schema xmlns:xsd="http://www.w3.org/2001/XMLSchema" xmlns:xs="http://www.w3.org/2001/XMLSchema" xmlns:p="http://schemas.microsoft.com/office/2006/metadata/properties" xmlns:ns2="621f199c-98aa-40ce-ab2c-42670d93c9fa" targetNamespace="http://schemas.microsoft.com/office/2006/metadata/properties" ma:root="true" ma:fieldsID="c747dccf555a28bc16c026d049f7b246" ns2:_="">
     <xsd:import namespace="621f199c-98aa-40ce-ab2c-42670d93c9fa"/>
@@ -6118,22 +6484,24 @@
 </ct:contentTypeSchema>
 </file>
 
-<file path=customXml/item2.xml><?xml version="1.0" encoding="utf-8"?>
-<?mso-contentType ?>
-<FormTemplates xmlns="http://schemas.microsoft.com/sharepoint/v3/contenttype/forms">
-  <Display>DocumentLibraryForm</Display>
-  <Edit>DocumentLibraryForm</Edit>
-  <New>DocumentLibraryForm</New>
-</FormTemplates>
+<file path=customXml/itemProps1.xml><?xml version="1.0" encoding="utf-8"?>
+<ds:datastoreItem xmlns:ds="http://schemas.openxmlformats.org/officeDocument/2006/customXml" ds:itemID="{EB6A9703-15E2-4E3F-A343-CEF74D08A4B6}">
+  <ds:schemaRefs>
+    <ds:schemaRef ds:uri="http://schemas.microsoft.com/office/2006/metadata/properties"/>
+    <ds:schemaRef ds:uri="http://schemas.microsoft.com/office/infopath/2007/PartnerControls"/>
+  </ds:schemaRefs>
+</ds:datastoreItem>
 </file>
 
-<file path=customXml/item3.xml><?xml version="1.0" encoding="utf-8"?>
-<p:properties xmlns:p="http://schemas.microsoft.com/office/2006/metadata/properties" xmlns:xsi="http://www.w3.org/2001/XMLSchema-instance" xmlns:pc="http://schemas.microsoft.com/office/infopath/2007/PartnerControls">
-  <documentManagement/>
-</p:properties>
+<file path=customXml/itemProps2.xml><?xml version="1.0" encoding="utf-8"?>
+<ds:datastoreItem xmlns:ds="http://schemas.openxmlformats.org/officeDocument/2006/customXml" ds:itemID="{CE9BDE77-A9EF-4010-9289-49E5355D3F86}">
+  <ds:schemaRefs>
+    <ds:schemaRef ds:uri="http://schemas.microsoft.com/sharepoint/v3/contenttype/forms"/>
+  </ds:schemaRefs>
+</ds:datastoreItem>
 </file>
 
-<file path=customXml/itemProps1.xml><?xml version="1.0" encoding="utf-8"?>
+<file path=customXml/itemProps3.xml><?xml version="1.0" encoding="utf-8"?>
 <ds:datastoreItem xmlns:ds="http://schemas.openxmlformats.org/officeDocument/2006/customXml" ds:itemID="{C5387826-CAED-450A-ACF0-D0E8781AFCD5}">
   <ds:schemaRefs>
     <ds:schemaRef ds:uri="http://schemas.microsoft.com/office/2006/metadata/contentType"/>
@@ -6149,21 +6517,4 @@
     <ds:schemaRef ds:uri="http://schemas.microsoft.com/internal/obd"/>
   </ds:schemaRefs>
 </ds:datastoreItem>
-</file>
-
-<file path=customXml/itemProps2.xml><?xml version="1.0" encoding="utf-8"?>
-<ds:datastoreItem xmlns:ds="http://schemas.openxmlformats.org/officeDocument/2006/customXml" ds:itemID="{CE9BDE77-A9EF-4010-9289-49E5355D3F86}">
-  <ds:schemaRefs>
-    <ds:schemaRef ds:uri="http://schemas.microsoft.com/sharepoint/v3/contenttype/forms"/>
-  </ds:schemaRefs>
-</ds:datastoreItem>
-</file>
-
-<file path=customXml/itemProps3.xml><?xml version="1.0" encoding="utf-8"?>
-<ds:datastoreItem xmlns:ds="http://schemas.openxmlformats.org/officeDocument/2006/customXml" ds:itemID="{EB6A9703-15E2-4E3F-A343-CEF74D08A4B6}">
-  <ds:schemaRefs>
-    <ds:schemaRef ds:uri="http://schemas.microsoft.com/office/2006/metadata/properties"/>
-    <ds:schemaRef ds:uri="http://schemas.microsoft.com/office/infopath/2007/PartnerControls"/>
-  </ds:schemaRefs>
-</ds:datastoreItem>
 </file>